--- a/Jedha_certification.pptx
+++ b/Jedha_certification.pptx
@@ -295,7 +295,7 @@
   </p:defaultTextStyle>
   <p:extLst>
     <p:ext uri="http://customooxmlschemas.google.com/">
-      <go:slidesCustomData xmlns:go="http://customooxmlschemas.google.com/" r:id="rId50" roundtripDataSignature="AMtx7mh2JhJ8LNWgboVGwjGUhfk851f3kw=="/>
+      <go:slidesCustomData xmlns:go="http://customooxmlschemas.google.com/" r:id="rId50" roundtripDataSignature="AMtx7mjf7ie9o20g3tn7TME4sd86/zKGoQ=="/>
     </p:ext>
   </p:extLst>
 </p:presentation>
@@ -2838,7 +2838,7 @@
   <p:cSld>
     <p:spTree>
       <p:nvGrpSpPr>
-        <p:cNvPr id="314" name="Shape 314"/>
+        <p:cNvPr id="312" name="Shape 312"/>
         <p:cNvGrpSpPr/>
         <p:nvPr/>
       </p:nvGrpSpPr>
@@ -2852,7 +2852,7 @@
       </p:grpSpPr>
       <p:sp>
         <p:nvSpPr>
-          <p:cNvPr id="315" name="Google Shape;315;g10912a73fb9_0_168:notes"/>
+          <p:cNvPr id="313" name="Google Shape;313;g10b0b628a7a_0_0:notes"/>
           <p:cNvSpPr/>
           <p:nvPr>
             <p:ph idx="2" type="sldImg"/>
@@ -2897,7 +2897,7 @@
       </p:sp>
       <p:sp>
         <p:nvSpPr>
-          <p:cNvPr id="316" name="Google Shape;316;g10912a73fb9_0_168:notes"/>
+          <p:cNvPr id="314" name="Google Shape;314;g10b0b628a7a_0_0:notes"/>
           <p:cNvSpPr txBox="1"/>
           <p:nvPr>
             <p:ph idx="1" type="body"/>
@@ -2955,7 +2955,7 @@
   <p:cSld>
     <p:spTree>
       <p:nvGrpSpPr>
-        <p:cNvPr id="324" name="Shape 324"/>
+        <p:cNvPr id="321" name="Shape 321"/>
         <p:cNvGrpSpPr/>
         <p:nvPr/>
       </p:nvGrpSpPr>
@@ -2969,7 +2969,7 @@
       </p:grpSpPr>
       <p:sp>
         <p:nvSpPr>
-          <p:cNvPr id="325" name="Google Shape;325;g10912a73fb9_0_177:notes"/>
+          <p:cNvPr id="322" name="Google Shape;322;g10b0b628a7a_0_21:notes"/>
           <p:cNvSpPr/>
           <p:nvPr>
             <p:ph idx="2" type="sldImg"/>
@@ -3014,7 +3014,7 @@
       </p:sp>
       <p:sp>
         <p:nvSpPr>
-          <p:cNvPr id="326" name="Google Shape;326;g10912a73fb9_0_177:notes"/>
+          <p:cNvPr id="323" name="Google Shape;323;g10b0b628a7a_0_21:notes"/>
           <p:cNvSpPr txBox="1"/>
           <p:nvPr>
             <p:ph idx="1" type="body"/>
@@ -3072,7 +3072,7 @@
   <p:cSld>
     <p:spTree>
       <p:nvGrpSpPr>
-        <p:cNvPr id="334" name="Shape 334"/>
+        <p:cNvPr id="335" name="Shape 335"/>
         <p:cNvGrpSpPr/>
         <p:nvPr/>
       </p:nvGrpSpPr>
@@ -3086,7 +3086,7 @@
       </p:grpSpPr>
       <p:sp>
         <p:nvSpPr>
-          <p:cNvPr id="335" name="Google Shape;335;g10912a73fb9_0_186:notes"/>
+          <p:cNvPr id="336" name="Google Shape;336;g10b0b628a7a_0_10:notes"/>
           <p:cNvSpPr/>
           <p:nvPr>
             <p:ph idx="2" type="sldImg"/>
@@ -3131,7 +3131,7 @@
       </p:sp>
       <p:sp>
         <p:nvSpPr>
-          <p:cNvPr id="336" name="Google Shape;336;g10912a73fb9_0_186:notes"/>
+          <p:cNvPr id="337" name="Google Shape;337;g10b0b628a7a_0_10:notes"/>
           <p:cNvSpPr txBox="1"/>
           <p:nvPr>
             <p:ph idx="1" type="body"/>
@@ -3170,8 +3170,7 @@
               <a:buNone/>
             </a:pPr>
             <a:r>
-              <a:rPr lang="fr"/>
-              <a:t>Point de départ Jedha</a:t>
+              <a:t/>
             </a:r>
             <a:endParaRPr/>
           </a:p>
@@ -3190,7 +3189,7 @@
   <p:cSld>
     <p:spTree>
       <p:nvGrpSpPr>
-        <p:cNvPr id="342" name="Shape 342"/>
+        <p:cNvPr id="345" name="Shape 345"/>
         <p:cNvGrpSpPr/>
         <p:nvPr/>
       </p:nvGrpSpPr>
@@ -3204,7 +3203,7 @@
       </p:grpSpPr>
       <p:sp>
         <p:nvSpPr>
-          <p:cNvPr id="343" name="Google Shape;343;g10912a73fb9_0_193:notes"/>
+          <p:cNvPr id="346" name="Google Shape;346;g10912a73fb9_0_193:notes"/>
           <p:cNvSpPr/>
           <p:nvPr>
             <p:ph idx="2" type="sldImg"/>
@@ -3249,7 +3248,7 @@
       </p:sp>
       <p:sp>
         <p:nvSpPr>
-          <p:cNvPr id="344" name="Google Shape;344;g10912a73fb9_0_193:notes"/>
+          <p:cNvPr id="347" name="Google Shape;347;g10912a73fb9_0_193:notes"/>
           <p:cNvSpPr txBox="1"/>
           <p:nvPr>
             <p:ph idx="1" type="body"/>
@@ -3307,7 +3306,7 @@
   <p:cSld>
     <p:spTree>
       <p:nvGrpSpPr>
-        <p:cNvPr id="352" name="Shape 352"/>
+        <p:cNvPr id="354" name="Shape 354"/>
         <p:cNvGrpSpPr/>
         <p:nvPr/>
       </p:nvGrpSpPr>
@@ -3321,7 +3320,7 @@
       </p:grpSpPr>
       <p:sp>
         <p:nvSpPr>
-          <p:cNvPr id="353" name="Google Shape;353;g10912a73fb9_0_251:notes"/>
+          <p:cNvPr id="355" name="Google Shape;355;g10912a73fb9_0_251:notes"/>
           <p:cNvSpPr/>
           <p:nvPr>
             <p:ph idx="2" type="sldImg"/>
@@ -3366,7 +3365,7 @@
       </p:sp>
       <p:sp>
         <p:nvSpPr>
-          <p:cNvPr id="354" name="Google Shape;354;g10912a73fb9_0_251:notes"/>
+          <p:cNvPr id="356" name="Google Shape;356;g10912a73fb9_0_251:notes"/>
           <p:cNvSpPr txBox="1"/>
           <p:nvPr>
             <p:ph idx="1" type="body"/>
@@ -3424,7 +3423,7 @@
   <p:cSld>
     <p:spTree>
       <p:nvGrpSpPr>
-        <p:cNvPr id="359" name="Shape 359"/>
+        <p:cNvPr id="361" name="Shape 361"/>
         <p:cNvGrpSpPr/>
         <p:nvPr/>
       </p:nvGrpSpPr>
@@ -3438,7 +3437,7 @@
       </p:grpSpPr>
       <p:sp>
         <p:nvSpPr>
-          <p:cNvPr id="360" name="Google Shape;360;g10912a73fb9_0_202:notes"/>
+          <p:cNvPr id="362" name="Google Shape;362;g10912a73fb9_0_202:notes"/>
           <p:cNvSpPr/>
           <p:nvPr>
             <p:ph idx="2" type="sldImg"/>
@@ -3483,7 +3482,7 @@
       </p:sp>
       <p:sp>
         <p:nvSpPr>
-          <p:cNvPr id="361" name="Google Shape;361;g10912a73fb9_0_202:notes"/>
+          <p:cNvPr id="363" name="Google Shape;363;g10912a73fb9_0_202:notes"/>
           <p:cNvSpPr txBox="1"/>
           <p:nvPr>
             <p:ph idx="1" type="body"/>
@@ -3613,7 +3612,7 @@
   <p:cSld>
     <p:spTree>
       <p:nvGrpSpPr>
-        <p:cNvPr id="375" name="Shape 375"/>
+        <p:cNvPr id="377" name="Shape 377"/>
         <p:cNvGrpSpPr/>
         <p:nvPr/>
       </p:nvGrpSpPr>
@@ -3627,7 +3626,7 @@
       </p:grpSpPr>
       <p:sp>
         <p:nvSpPr>
-          <p:cNvPr id="376" name="Google Shape;376;g10912a73fb9_0_345:notes"/>
+          <p:cNvPr id="378" name="Google Shape;378;g10912a73fb9_0_345:notes"/>
           <p:cNvSpPr/>
           <p:nvPr>
             <p:ph idx="2" type="sldImg"/>
@@ -3672,7 +3671,7 @@
       </p:sp>
       <p:sp>
         <p:nvSpPr>
-          <p:cNvPr id="377" name="Google Shape;377;g10912a73fb9_0_345:notes"/>
+          <p:cNvPr id="379" name="Google Shape;379;g10912a73fb9_0_345:notes"/>
           <p:cNvSpPr txBox="1"/>
           <p:nvPr>
             <p:ph idx="1" type="body"/>
@@ -3919,7 +3918,7 @@
   <p:cSld>
     <p:spTree>
       <p:nvGrpSpPr>
-        <p:cNvPr id="385" name="Shape 385"/>
+        <p:cNvPr id="387" name="Shape 387"/>
         <p:cNvGrpSpPr/>
         <p:nvPr/>
       </p:nvGrpSpPr>
@@ -3933,7 +3932,7 @@
       </p:grpSpPr>
       <p:sp>
         <p:nvSpPr>
-          <p:cNvPr id="386" name="Google Shape;386;g10912a73fb9_0_226:notes"/>
+          <p:cNvPr id="388" name="Google Shape;388;g10912a73fb9_0_226:notes"/>
           <p:cNvSpPr/>
           <p:nvPr>
             <p:ph idx="2" type="sldImg"/>
@@ -3978,7 +3977,7 @@
       </p:sp>
       <p:sp>
         <p:nvSpPr>
-          <p:cNvPr id="387" name="Google Shape;387;g10912a73fb9_0_226:notes"/>
+          <p:cNvPr id="389" name="Google Shape;389;g10912a73fb9_0_226:notes"/>
           <p:cNvSpPr txBox="1"/>
           <p:nvPr>
             <p:ph idx="1" type="body"/>
@@ -4036,7 +4035,7 @@
   <p:cSld>
     <p:spTree>
       <p:nvGrpSpPr>
-        <p:cNvPr id="407" name="Shape 407"/>
+        <p:cNvPr id="409" name="Shape 409"/>
         <p:cNvGrpSpPr/>
         <p:nvPr/>
       </p:nvGrpSpPr>
@@ -4050,7 +4049,7 @@
       </p:grpSpPr>
       <p:sp>
         <p:nvSpPr>
-          <p:cNvPr id="408" name="Google Shape;408;g10912a73fb9_0_235:notes"/>
+          <p:cNvPr id="410" name="Google Shape;410;g10912a73fb9_0_235:notes"/>
           <p:cNvSpPr/>
           <p:nvPr>
             <p:ph idx="2" type="sldImg"/>
@@ -4095,7 +4094,7 @@
       </p:sp>
       <p:sp>
         <p:nvSpPr>
-          <p:cNvPr id="409" name="Google Shape;409;g10912a73fb9_0_235:notes"/>
+          <p:cNvPr id="411" name="Google Shape;411;g10912a73fb9_0_235:notes"/>
           <p:cNvSpPr txBox="1"/>
           <p:nvPr>
             <p:ph idx="1" type="body"/>
@@ -4154,7 +4153,7 @@
   <p:cSld>
     <p:spTree>
       <p:nvGrpSpPr>
-        <p:cNvPr id="416" name="Shape 416"/>
+        <p:cNvPr id="418" name="Shape 418"/>
         <p:cNvGrpSpPr/>
         <p:nvPr/>
       </p:nvGrpSpPr>
@@ -4168,7 +4167,7 @@
       </p:grpSpPr>
       <p:sp>
         <p:nvSpPr>
-          <p:cNvPr id="417" name="Google Shape;417;g10912a73fb9_0_242:notes"/>
+          <p:cNvPr id="419" name="Google Shape;419;g10912a73fb9_0_242:notes"/>
           <p:cNvSpPr/>
           <p:nvPr>
             <p:ph idx="2" type="sldImg"/>
@@ -4213,7 +4212,7 @@
       </p:sp>
       <p:sp>
         <p:nvSpPr>
-          <p:cNvPr id="418" name="Google Shape;418;g10912a73fb9_0_242:notes"/>
+          <p:cNvPr id="420" name="Google Shape;420;g10912a73fb9_0_242:notes"/>
           <p:cNvSpPr txBox="1"/>
           <p:nvPr>
             <p:ph idx="1" type="body"/>
@@ -4271,7 +4270,7 @@
   <p:cSld>
     <p:spTree>
       <p:nvGrpSpPr>
-        <p:cNvPr id="428" name="Shape 428"/>
+        <p:cNvPr id="430" name="Shape 430"/>
         <p:cNvGrpSpPr/>
         <p:nvPr/>
       </p:nvGrpSpPr>
@@ -4285,7 +4284,7 @@
       </p:grpSpPr>
       <p:sp>
         <p:nvSpPr>
-          <p:cNvPr id="429" name="Google Shape;429;g10912a73fb9_0_257:notes"/>
+          <p:cNvPr id="431" name="Google Shape;431;g10912a73fb9_0_257:notes"/>
           <p:cNvSpPr/>
           <p:nvPr>
             <p:ph idx="2" type="sldImg"/>
@@ -4330,7 +4329,7 @@
       </p:sp>
       <p:sp>
         <p:nvSpPr>
-          <p:cNvPr id="430" name="Google Shape;430;g10912a73fb9_0_257:notes"/>
+          <p:cNvPr id="432" name="Google Shape;432;g10912a73fb9_0_257:notes"/>
           <p:cNvSpPr txBox="1"/>
           <p:nvPr>
             <p:ph idx="1" type="body"/>
@@ -4388,7 +4387,7 @@
   <p:cSld>
     <p:spTree>
       <p:nvGrpSpPr>
-        <p:cNvPr id="435" name="Shape 435"/>
+        <p:cNvPr id="437" name="Shape 437"/>
         <p:cNvGrpSpPr/>
         <p:nvPr/>
       </p:nvGrpSpPr>
@@ -4402,7 +4401,7 @@
       </p:grpSpPr>
       <p:sp>
         <p:nvSpPr>
-          <p:cNvPr id="436" name="Google Shape;436;g10912a73fb9_0_263:notes"/>
+          <p:cNvPr id="438" name="Google Shape;438;g10912a73fb9_0_263:notes"/>
           <p:cNvSpPr/>
           <p:nvPr>
             <p:ph idx="2" type="sldImg"/>
@@ -4447,7 +4446,7 @@
       </p:sp>
       <p:sp>
         <p:nvSpPr>
-          <p:cNvPr id="437" name="Google Shape;437;g10912a73fb9_0_263:notes"/>
+          <p:cNvPr id="439" name="Google Shape;439;g10912a73fb9_0_263:notes"/>
           <p:cNvSpPr txBox="1"/>
           <p:nvPr>
             <p:ph idx="1" type="body"/>
@@ -4577,7 +4576,7 @@
   <p:cSld>
     <p:spTree>
       <p:nvGrpSpPr>
-        <p:cNvPr id="451" name="Shape 451"/>
+        <p:cNvPr id="453" name="Shape 453"/>
         <p:cNvGrpSpPr/>
         <p:nvPr/>
       </p:nvGrpSpPr>
@@ -4591,7 +4590,7 @@
       </p:grpSpPr>
       <p:sp>
         <p:nvSpPr>
-          <p:cNvPr id="452" name="Google Shape;452;g10912a73fb9_0_378:notes"/>
+          <p:cNvPr id="454" name="Google Shape;454;g10912a73fb9_0_378:notes"/>
           <p:cNvSpPr/>
           <p:nvPr>
             <p:ph idx="2" type="sldImg"/>
@@ -4636,7 +4635,7 @@
       </p:sp>
       <p:sp>
         <p:nvSpPr>
-          <p:cNvPr id="453" name="Google Shape;453;g10912a73fb9_0_378:notes"/>
+          <p:cNvPr id="455" name="Google Shape;455;g10912a73fb9_0_378:notes"/>
           <p:cNvSpPr txBox="1"/>
           <p:nvPr>
             <p:ph idx="1" type="body"/>
@@ -4694,7 +4693,7 @@
   <p:cSld>
     <p:spTree>
       <p:nvGrpSpPr>
-        <p:cNvPr id="461" name="Shape 461"/>
+        <p:cNvPr id="463" name="Shape 463"/>
         <p:cNvGrpSpPr/>
         <p:nvPr/>
       </p:nvGrpSpPr>
@@ -4708,7 +4707,7 @@
       </p:grpSpPr>
       <p:sp>
         <p:nvSpPr>
-          <p:cNvPr id="462" name="Google Shape;462;g10912a73fb9_0_287:notes"/>
+          <p:cNvPr id="464" name="Google Shape;464;g10912a73fb9_0_287:notes"/>
           <p:cNvSpPr/>
           <p:nvPr>
             <p:ph idx="2" type="sldImg"/>
@@ -4753,7 +4752,7 @@
       </p:sp>
       <p:sp>
         <p:nvSpPr>
-          <p:cNvPr id="463" name="Google Shape;463;g10912a73fb9_0_287:notes"/>
+          <p:cNvPr id="465" name="Google Shape;465;g10912a73fb9_0_287:notes"/>
           <p:cNvSpPr txBox="1"/>
           <p:nvPr>
             <p:ph idx="1" type="body"/>
@@ -4811,7 +4810,7 @@
   <p:cSld>
     <p:spTree>
       <p:nvGrpSpPr>
-        <p:cNvPr id="475" name="Shape 475"/>
+        <p:cNvPr id="477" name="Shape 477"/>
         <p:cNvGrpSpPr/>
         <p:nvPr/>
       </p:nvGrpSpPr>
@@ -4825,7 +4824,7 @@
       </p:grpSpPr>
       <p:sp>
         <p:nvSpPr>
-          <p:cNvPr id="476" name="Google Shape;476;g10912a73fb9_0_296:notes"/>
+          <p:cNvPr id="478" name="Google Shape;478;g10912a73fb9_0_296:notes"/>
           <p:cNvSpPr/>
           <p:nvPr>
             <p:ph idx="2" type="sldImg"/>
@@ -4870,7 +4869,7 @@
       </p:sp>
       <p:sp>
         <p:nvSpPr>
-          <p:cNvPr id="477" name="Google Shape;477;g10912a73fb9_0_296:notes"/>
+          <p:cNvPr id="479" name="Google Shape;479;g10912a73fb9_0_296:notes"/>
           <p:cNvSpPr txBox="1"/>
           <p:nvPr>
             <p:ph idx="1" type="body"/>
@@ -4929,7 +4928,7 @@
   <p:cSld>
     <p:spTree>
       <p:nvGrpSpPr>
-        <p:cNvPr id="484" name="Shape 484"/>
+        <p:cNvPr id="486" name="Shape 486"/>
         <p:cNvGrpSpPr/>
         <p:nvPr/>
       </p:nvGrpSpPr>
@@ -4943,7 +4942,7 @@
       </p:grpSpPr>
       <p:sp>
         <p:nvSpPr>
-          <p:cNvPr id="485" name="Google Shape;485;g10912a73fb9_0_303:notes"/>
+          <p:cNvPr id="487" name="Google Shape;487;g10912a73fb9_0_303:notes"/>
           <p:cNvSpPr/>
           <p:nvPr>
             <p:ph idx="2" type="sldImg"/>
@@ -4988,7 +4987,7 @@
       </p:sp>
       <p:sp>
         <p:nvSpPr>
-          <p:cNvPr id="486" name="Google Shape;486;g10912a73fb9_0_303:notes"/>
+          <p:cNvPr id="488" name="Google Shape;488;g10912a73fb9_0_303:notes"/>
           <p:cNvSpPr txBox="1"/>
           <p:nvPr>
             <p:ph idx="1" type="body"/>
@@ -5046,7 +5045,7 @@
   <p:cSld>
     <p:spTree>
       <p:nvGrpSpPr>
-        <p:cNvPr id="494" name="Shape 494"/>
+        <p:cNvPr id="496" name="Shape 496"/>
         <p:cNvGrpSpPr/>
         <p:nvPr/>
       </p:nvGrpSpPr>
@@ -5060,7 +5059,7 @@
       </p:grpSpPr>
       <p:sp>
         <p:nvSpPr>
-          <p:cNvPr id="495" name="Google Shape;495;p18:notes"/>
+          <p:cNvPr id="497" name="Google Shape;497;p18:notes"/>
           <p:cNvSpPr/>
           <p:nvPr>
             <p:ph idx="2" type="sldImg"/>
@@ -5105,7 +5104,7 @@
       </p:sp>
       <p:sp>
         <p:nvSpPr>
-          <p:cNvPr id="496" name="Google Shape;496;p18:notes"/>
+          <p:cNvPr id="498" name="Google Shape;498;p18:notes"/>
           <p:cNvSpPr txBox="1"/>
           <p:nvPr>
             <p:ph idx="1" type="body"/>
@@ -5281,7 +5280,7 @@
   <p:cSld>
     <p:spTree>
       <p:nvGrpSpPr>
-        <p:cNvPr id="502" name="Shape 502"/>
+        <p:cNvPr id="504" name="Shape 504"/>
         <p:cNvGrpSpPr/>
         <p:nvPr/>
       </p:nvGrpSpPr>
@@ -5295,7 +5294,7 @@
       </p:grpSpPr>
       <p:sp>
         <p:nvSpPr>
-          <p:cNvPr id="503" name="Google Shape;503;p19:notes"/>
+          <p:cNvPr id="505" name="Google Shape;505;p19:notes"/>
           <p:cNvSpPr/>
           <p:nvPr>
             <p:ph idx="2" type="sldImg"/>
@@ -5340,7 +5339,7 @@
       </p:sp>
       <p:sp>
         <p:nvSpPr>
-          <p:cNvPr id="504" name="Google Shape;504;p19:notes"/>
+          <p:cNvPr id="506" name="Google Shape;506;p19:notes"/>
           <p:cNvSpPr txBox="1"/>
           <p:nvPr>
             <p:ph idx="1" type="body"/>
@@ -22624,12 +22623,80 @@
       <p:sp>
         <p:nvSpPr>
           <p:cNvPr id="306" name="Google Shape;306;g10912a73fb9_0_153"/>
+          <p:cNvSpPr txBox="1"/>
+          <p:nvPr>
+            <p:ph idx="4294967295" type="ctrTitle"/>
+          </p:nvPr>
+        </p:nvSpPr>
+        <p:spPr>
+          <a:xfrm>
+            <a:off x="4541277" y="1747700"/>
+            <a:ext cx="3624000" cy="533100"/>
+          </a:xfrm>
+          <a:prstGeom prst="rect">
+            <a:avLst/>
+          </a:prstGeom>
+          <a:noFill/>
+          <a:ln>
+            <a:noFill/>
+          </a:ln>
+        </p:spPr>
+        <p:txBody>
+          <a:bodyPr anchorCtr="0" anchor="t" bIns="91425" lIns="91425" spcFirstLastPara="1" rIns="91425" wrap="square" tIns="91425">
+            <a:noAutofit/>
+          </a:bodyPr>
+          <a:lstStyle/>
+          <a:p>
+            <a:pPr indent="0" lvl="0" marL="0" marR="0" rtl="0" algn="l">
+              <a:lnSpc>
+                <a:spcPct val="100000"/>
+              </a:lnSpc>
+              <a:spcBef>
+                <a:spcPts val="0"/>
+              </a:spcBef>
+              <a:spcAft>
+                <a:spcPts val="0"/>
+              </a:spcAft>
+              <a:buClr>
+                <a:schemeClr val="dk1"/>
+              </a:buClr>
+              <a:buSzPts val="2800"/>
+              <a:buFont typeface="Arial"/>
+              <a:buNone/>
+            </a:pPr>
+            <a:r>
+              <a:rPr lang="fr" sz="2000">
+                <a:solidFill>
+                  <a:srgbClr val="4B5258"/>
+                </a:solidFill>
+                <a:latin typeface="Inter"/>
+                <a:ea typeface="Inter"/>
+                <a:cs typeface="Inter"/>
+                <a:sym typeface="Inter"/>
+              </a:rPr>
+              <a:t>Exploration</a:t>
+            </a:r>
+            <a:endParaRPr b="0" i="0" sz="2000" u="none" cap="none" strike="noStrike">
+              <a:solidFill>
+                <a:srgbClr val="4B5258"/>
+              </a:solidFill>
+              <a:latin typeface="Inter"/>
+              <a:ea typeface="Inter"/>
+              <a:cs typeface="Inter"/>
+              <a:sym typeface="Inter"/>
+            </a:endParaRPr>
+          </a:p>
+        </p:txBody>
+      </p:sp>
+      <p:sp>
+        <p:nvSpPr>
+          <p:cNvPr id="307" name="Google Shape;307;g10912a73fb9_0_153"/>
           <p:cNvSpPr/>
           <p:nvPr/>
         </p:nvSpPr>
         <p:spPr>
           <a:xfrm rot="-355994">
-            <a:off x="4203720" y="1914988"/>
+            <a:off x="4203720" y="1990888"/>
             <a:ext cx="261199" cy="46747"/>
           </a:xfrm>
           <a:prstGeom prst="roundRect">
@@ -22684,7 +22751,7 @@
       </p:sp>
       <p:sp>
         <p:nvSpPr>
-          <p:cNvPr id="307" name="Google Shape;307;g10912a73fb9_0_153"/>
+          <p:cNvPr id="308" name="Google Shape;308;g10912a73fb9_0_153"/>
           <p:cNvSpPr txBox="1"/>
           <p:nvPr>
             <p:ph idx="4294967295" type="ctrTitle"/>
@@ -22692,8 +22759,8 @@
         </p:nvSpPr>
         <p:spPr>
           <a:xfrm>
-            <a:off x="4541277" y="2204900"/>
-            <a:ext cx="3624000" cy="533100"/>
+            <a:off x="4541276" y="1138700"/>
+            <a:ext cx="3335400" cy="533100"/>
           </a:xfrm>
           <a:prstGeom prst="rect">
             <a:avLst/>
@@ -22736,7 +22803,7 @@
                 <a:cs typeface="Inter"/>
                 <a:sym typeface="Inter"/>
               </a:rPr>
-              <a:t>Démonstration</a:t>
+              <a:t>Contexte</a:t>
             </a:r>
             <a:endParaRPr b="0" i="0" sz="2000" u="none" cap="none" strike="noStrike">
               <a:solidFill>
@@ -22752,23 +22819,21 @@
       </p:sp>
       <p:sp>
         <p:nvSpPr>
-          <p:cNvPr id="308" name="Google Shape;308;g10912a73fb9_0_153"/>
-          <p:cNvSpPr/>
-          <p:nvPr/>
+          <p:cNvPr id="309" name="Google Shape;309;g10912a73fb9_0_153"/>
+          <p:cNvSpPr txBox="1"/>
+          <p:nvPr>
+            <p:ph idx="12" type="sldNum"/>
+          </p:nvPr>
         </p:nvSpPr>
         <p:spPr>
-          <a:xfrm rot="-355994">
-            <a:off x="4203720" y="2448088"/>
-            <a:ext cx="261199" cy="46747"/>
-          </a:xfrm>
-          <a:prstGeom prst="roundRect">
-            <a:avLst>
-              <a:gd fmla="val 50000" name="adj"/>
-            </a:avLst>
-          </a:prstGeom>
-          <a:solidFill>
-            <a:srgbClr val="C3FFFC"/>
-          </a:solidFill>
+          <a:xfrm>
+            <a:off x="8472458" y="4663217"/>
+            <a:ext cx="548700" cy="393600"/>
+          </a:xfrm>
+          <a:prstGeom prst="rect">
+            <a:avLst/>
+          </a:prstGeom>
+          <a:noFill/>
           <a:ln>
             <a:noFill/>
           </a:ln>
@@ -22779,103 +22844,24 @@
           </a:bodyPr>
           <a:lstStyle/>
           <a:p>
-            <a:pPr indent="0" lvl="0" marL="0" marR="0" rtl="0" algn="l">
-              <a:lnSpc>
-                <a:spcPct val="100000"/>
-              </a:lnSpc>
-              <a:spcBef>
-                <a:spcPts val="0"/>
-              </a:spcBef>
-              <a:spcAft>
-                <a:spcPts val="0"/>
-              </a:spcAft>
-              <a:buClr>
-                <a:srgbClr val="000000"/>
-              </a:buClr>
-              <a:buSzPts val="1400"/>
-              <a:buFont typeface="Arial"/>
-              <a:buNone/>
-            </a:pPr>
-            <a:r>
-              <a:t/>
-            </a:r>
-            <a:endParaRPr b="0" i="0" sz="1400" u="none" cap="none" strike="noStrike">
-              <a:solidFill>
-                <a:srgbClr val="000000"/>
-              </a:solidFill>
-              <a:latin typeface="Arial"/>
-              <a:ea typeface="Arial"/>
-              <a:cs typeface="Arial"/>
-              <a:sym typeface="Arial"/>
-            </a:endParaRPr>
-          </a:p>
-        </p:txBody>
-      </p:sp>
-      <p:sp>
-        <p:nvSpPr>
-          <p:cNvPr id="309" name="Google Shape;309;g10912a73fb9_0_153"/>
-          <p:cNvSpPr txBox="1"/>
-          <p:nvPr>
-            <p:ph idx="4294967295" type="ctrTitle"/>
-          </p:nvPr>
-        </p:nvSpPr>
-        <p:spPr>
-          <a:xfrm>
-            <a:off x="4541264" y="1671800"/>
-            <a:ext cx="3086100" cy="533100"/>
-          </a:xfrm>
-          <a:prstGeom prst="rect">
-            <a:avLst/>
-          </a:prstGeom>
-          <a:noFill/>
-          <a:ln>
-            <a:noFill/>
-          </a:ln>
-        </p:spPr>
-        <p:txBody>
-          <a:bodyPr anchorCtr="0" anchor="t" bIns="91425" lIns="91425" spcFirstLastPara="1" rIns="91425" wrap="square" tIns="91425">
-            <a:noAutofit/>
-          </a:bodyPr>
-          <a:lstStyle/>
-          <a:p>
-            <a:pPr indent="0" lvl="0" marL="0" marR="0" rtl="0" algn="l">
-              <a:lnSpc>
-                <a:spcPct val="100000"/>
-              </a:lnSpc>
-              <a:spcBef>
-                <a:spcPts val="0"/>
-              </a:spcBef>
-              <a:spcAft>
-                <a:spcPts val="0"/>
-              </a:spcAft>
-              <a:buClr>
-                <a:schemeClr val="dk1"/>
-              </a:buClr>
-              <a:buSzPts val="2800"/>
-              <a:buFont typeface="Arial"/>
-              <a:buNone/>
-            </a:pPr>
-            <a:r>
-              <a:rPr lang="fr" sz="2000">
-                <a:solidFill>
-                  <a:srgbClr val="4B5258"/>
-                </a:solidFill>
-                <a:latin typeface="Inter"/>
-                <a:ea typeface="Inter"/>
-                <a:cs typeface="Inter"/>
-                <a:sym typeface="Inter"/>
-              </a:rPr>
-              <a:t>Méthodologie</a:t>
-            </a:r>
-            <a:endParaRPr b="0" i="0" sz="2000" u="none" cap="none" strike="noStrike">
-              <a:solidFill>
-                <a:srgbClr val="4B5258"/>
-              </a:solidFill>
-              <a:latin typeface="Inter"/>
-              <a:ea typeface="Inter"/>
-              <a:cs typeface="Inter"/>
-              <a:sym typeface="Inter"/>
-            </a:endParaRPr>
+            <a:pPr indent="0" lvl="0" marL="0" rtl="0" algn="r">
+              <a:lnSpc>
+                <a:spcPct val="100000"/>
+              </a:lnSpc>
+              <a:spcBef>
+                <a:spcPts val="0"/>
+              </a:spcBef>
+              <a:spcAft>
+                <a:spcPts val="0"/>
+              </a:spcAft>
+              <a:buSzPts val="1000"/>
+              <a:buNone/>
+            </a:pPr>
+            <a:fld id="{00000000-1234-1234-1234-123412341234}" type="slidenum">
+              <a:rPr lang="fr"/>
+              <a:t>‹#›</a:t>
+            </a:fld>
+            <a:endParaRPr/>
           </a:p>
         </p:txBody>
       </p:sp>
@@ -22889,8 +22875,8 @@
         </p:nvSpPr>
         <p:spPr>
           <a:xfrm>
-            <a:off x="4541276" y="1138700"/>
-            <a:ext cx="3335400" cy="533100"/>
+            <a:off x="4541277" y="2280800"/>
+            <a:ext cx="3624000" cy="533100"/>
           </a:xfrm>
           <a:prstGeom prst="rect">
             <a:avLst/>
@@ -22933,7 +22919,7 @@
                 <a:cs typeface="Inter"/>
                 <a:sym typeface="Inter"/>
               </a:rPr>
-              <a:t>Contexte</a:t>
+              <a:t>Résultats</a:t>
             </a:r>
             <a:endParaRPr b="0" i="0" sz="2000" u="none" cap="none" strike="noStrike">
               <a:solidFill>
@@ -22950,128 +22936,12 @@
       <p:sp>
         <p:nvSpPr>
           <p:cNvPr id="311" name="Google Shape;311;g10912a73fb9_0_153"/>
-          <p:cNvSpPr txBox="1"/>
-          <p:nvPr>
-            <p:ph idx="12" type="sldNum"/>
-          </p:nvPr>
-        </p:nvSpPr>
-        <p:spPr>
-          <a:xfrm>
-            <a:off x="8472458" y="4663217"/>
-            <a:ext cx="548700" cy="393600"/>
-          </a:xfrm>
-          <a:prstGeom prst="rect">
-            <a:avLst/>
-          </a:prstGeom>
-          <a:noFill/>
-          <a:ln>
-            <a:noFill/>
-          </a:ln>
-        </p:spPr>
-        <p:txBody>
-          <a:bodyPr anchorCtr="0" anchor="ctr" bIns="91425" lIns="91425" spcFirstLastPara="1" rIns="91425" wrap="square" tIns="91425">
-            <a:noAutofit/>
-          </a:bodyPr>
-          <a:lstStyle/>
-          <a:p>
-            <a:pPr indent="0" lvl="0" marL="0" rtl="0" algn="r">
-              <a:lnSpc>
-                <a:spcPct val="100000"/>
-              </a:lnSpc>
-              <a:spcBef>
-                <a:spcPts val="0"/>
-              </a:spcBef>
-              <a:spcAft>
-                <a:spcPts val="0"/>
-              </a:spcAft>
-              <a:buSzPts val="1000"/>
-              <a:buNone/>
-            </a:pPr>
-            <a:fld id="{00000000-1234-1234-1234-123412341234}" type="slidenum">
-              <a:rPr lang="fr"/>
-              <a:t>‹#›</a:t>
-            </a:fld>
-            <a:endParaRPr/>
-          </a:p>
-        </p:txBody>
-      </p:sp>
-      <p:sp>
-        <p:nvSpPr>
-          <p:cNvPr id="312" name="Google Shape;312;g10912a73fb9_0_153"/>
-          <p:cNvSpPr txBox="1"/>
-          <p:nvPr>
-            <p:ph idx="4294967295" type="ctrTitle"/>
-          </p:nvPr>
-        </p:nvSpPr>
-        <p:spPr>
-          <a:xfrm>
-            <a:off x="4541277" y="2738000"/>
-            <a:ext cx="3624000" cy="533100"/>
-          </a:xfrm>
-          <a:prstGeom prst="rect">
-            <a:avLst/>
-          </a:prstGeom>
-          <a:noFill/>
-          <a:ln>
-            <a:noFill/>
-          </a:ln>
-        </p:spPr>
-        <p:txBody>
-          <a:bodyPr anchorCtr="0" anchor="t" bIns="91425" lIns="91425" spcFirstLastPara="1" rIns="91425" wrap="square" tIns="91425">
-            <a:noAutofit/>
-          </a:bodyPr>
-          <a:lstStyle/>
-          <a:p>
-            <a:pPr indent="0" lvl="0" marL="0" marR="0" rtl="0" algn="l">
-              <a:lnSpc>
-                <a:spcPct val="100000"/>
-              </a:lnSpc>
-              <a:spcBef>
-                <a:spcPts val="0"/>
-              </a:spcBef>
-              <a:spcAft>
-                <a:spcPts val="0"/>
-              </a:spcAft>
-              <a:buClr>
-                <a:schemeClr val="dk1"/>
-              </a:buClr>
-              <a:buSzPts val="2800"/>
-              <a:buFont typeface="Arial"/>
-              <a:buNone/>
-            </a:pPr>
-            <a:r>
-              <a:rPr lang="fr" sz="2000">
-                <a:solidFill>
-                  <a:srgbClr val="4B5258"/>
-                </a:solidFill>
-                <a:latin typeface="Inter"/>
-                <a:ea typeface="Inter"/>
-                <a:cs typeface="Inter"/>
-                <a:sym typeface="Inter"/>
-              </a:rPr>
-              <a:t>Livrables</a:t>
-            </a:r>
-            <a:endParaRPr b="0" i="0" sz="2000" u="none" cap="none" strike="noStrike">
-              <a:solidFill>
-                <a:srgbClr val="4B5258"/>
-              </a:solidFill>
-              <a:latin typeface="Inter"/>
-              <a:ea typeface="Inter"/>
-              <a:cs typeface="Inter"/>
-              <a:sym typeface="Inter"/>
-            </a:endParaRPr>
-          </a:p>
-        </p:txBody>
-      </p:sp>
-      <p:sp>
-        <p:nvSpPr>
-          <p:cNvPr id="313" name="Google Shape;313;g10912a73fb9_0_153"/>
           <p:cNvSpPr/>
           <p:nvPr/>
         </p:nvSpPr>
         <p:spPr>
           <a:xfrm rot="-355994">
-            <a:off x="4203720" y="2981188"/>
+            <a:off x="4203720" y="2523988"/>
             <a:ext cx="261199" cy="46747"/>
           </a:xfrm>
           <a:prstGeom prst="roundRect">
@@ -23137,7 +23007,7 @@
   <p:cSld>
     <p:spTree>
       <p:nvGrpSpPr>
-        <p:cNvPr id="317" name="Shape 317"/>
+        <p:cNvPr id="315" name="Shape 315"/>
         <p:cNvGrpSpPr/>
         <p:nvPr/>
       </p:nvGrpSpPr>
@@ -23151,7 +23021,7 @@
       </p:grpSpPr>
       <p:sp>
         <p:nvSpPr>
-          <p:cNvPr id="318" name="Google Shape;318;g10912a73fb9_0_168"/>
+          <p:cNvPr id="316" name="Google Shape;316;g10b0b628a7a_0_0"/>
           <p:cNvSpPr txBox="1"/>
           <p:nvPr>
             <p:ph idx="4294967295" type="ctrTitle"/>
@@ -23219,7 +23089,7 @@
       </p:sp>
       <p:pic>
         <p:nvPicPr>
-          <p:cNvPr id="319" name="Google Shape;319;g10912a73fb9_0_168"/>
+          <p:cNvPr id="317" name="Google Shape;317;g10b0b628a7a_0_0"/>
           <p:cNvPicPr preferRelativeResize="0"/>
           <p:nvPr/>
         </p:nvPicPr>
@@ -23246,7 +23116,7 @@
       </p:pic>
       <p:sp>
         <p:nvSpPr>
-          <p:cNvPr id="320" name="Google Shape;320;g10912a73fb9_0_168"/>
+          <p:cNvPr id="318" name="Google Shape;318;g10b0b628a7a_0_0"/>
           <p:cNvSpPr/>
           <p:nvPr/>
         </p:nvSpPr>
@@ -23305,16 +23175,16 @@
       </p:sp>
       <p:sp>
         <p:nvSpPr>
-          <p:cNvPr id="321" name="Google Shape;321;g10912a73fb9_0_168"/>
+          <p:cNvPr id="319" name="Google Shape;319;g10b0b628a7a_0_0"/>
           <p:cNvSpPr txBox="1"/>
           <p:nvPr>
-            <p:ph idx="4294967295" type="ctrTitle"/>
+            <p:ph idx="12" type="sldNum"/>
           </p:nvPr>
         </p:nvSpPr>
         <p:spPr>
           <a:xfrm>
-            <a:off x="1219842" y="2208575"/>
-            <a:ext cx="1898100" cy="533100"/>
+            <a:off x="8472458" y="4663217"/>
+            <a:ext cx="548700" cy="393600"/>
           </a:xfrm>
           <a:prstGeom prst="rect">
             <a:avLst/>
@@ -23325,165 +23195,86 @@
           </a:ln>
         </p:spPr>
         <p:txBody>
-          <a:bodyPr anchorCtr="0" anchor="t" bIns="91425" lIns="91425" spcFirstLastPara="1" rIns="91425" wrap="square" tIns="91425">
+          <a:bodyPr anchorCtr="0" anchor="ctr" bIns="91425" lIns="91425" spcFirstLastPara="1" rIns="91425" wrap="square" tIns="91425">
             <a:noAutofit/>
           </a:bodyPr>
           <a:lstStyle/>
           <a:p>
-            <a:pPr indent="0" lvl="0" marL="0" marR="0" rtl="0" algn="l">
-              <a:lnSpc>
-                <a:spcPct val="100000"/>
-              </a:lnSpc>
-              <a:spcBef>
-                <a:spcPts val="0"/>
-              </a:spcBef>
-              <a:spcAft>
-                <a:spcPts val="0"/>
-              </a:spcAft>
-              <a:buClr>
-                <a:schemeClr val="dk1"/>
-              </a:buClr>
-              <a:buSzPts val="2800"/>
-              <a:buFont typeface="Arial"/>
-              <a:buNone/>
-            </a:pPr>
-            <a:r>
-              <a:rPr i="1" lang="fr" sz="1200">
-                <a:solidFill>
-                  <a:srgbClr val="0E3449"/>
-                </a:solidFill>
+            <a:pPr indent="0" lvl="0" marL="0" rtl="0" algn="r">
+              <a:lnSpc>
+                <a:spcPct val="100000"/>
+              </a:lnSpc>
+              <a:spcBef>
+                <a:spcPts val="0"/>
+              </a:spcBef>
+              <a:spcAft>
+                <a:spcPts val="0"/>
+              </a:spcAft>
+              <a:buSzPts val="1000"/>
+              <a:buNone/>
+            </a:pPr>
+            <a:fld id="{00000000-1234-1234-1234-123412341234}" type="slidenum">
+              <a:rPr lang="fr"/>
+              <a:t>‹#›</a:t>
+            </a:fld>
+            <a:endParaRPr/>
+          </a:p>
+        </p:txBody>
+      </p:sp>
+      <p:sp>
+        <p:nvSpPr>
+          <p:cNvPr id="320" name="Google Shape;320;g10b0b628a7a_0_0"/>
+          <p:cNvSpPr txBox="1"/>
+          <p:nvPr/>
+        </p:nvSpPr>
+        <p:spPr>
+          <a:xfrm>
+            <a:off x="1302100" y="1328050"/>
+            <a:ext cx="4610700" cy="554100"/>
+          </a:xfrm>
+          <a:prstGeom prst="rect">
+            <a:avLst/>
+          </a:prstGeom>
+          <a:noFill/>
+          <a:ln>
+            <a:noFill/>
+          </a:ln>
+        </p:spPr>
+        <p:txBody>
+          <a:bodyPr anchorCtr="0" anchor="t" bIns="91425" lIns="91425" spcFirstLastPara="1" rIns="91425" wrap="square" tIns="91425">
+            <a:spAutoFit/>
+          </a:bodyPr>
+          <a:lstStyle/>
+          <a:p>
+            <a:pPr indent="0" lvl="0" marL="0" rtl="0" algn="l">
+              <a:spcBef>
+                <a:spcPts val="0"/>
+              </a:spcBef>
+              <a:spcAft>
+                <a:spcPts val="0"/>
+              </a:spcAft>
+              <a:buNone/>
+            </a:pPr>
+            <a:r>
+              <a:rPr lang="fr" sz="1200">
+                <a:solidFill>
+                  <a:srgbClr val="1F2123"/>
+                </a:solidFill>
+                <a:highlight>
+                  <a:srgbClr val="FBFDFF"/>
+                </a:highlight>
                 <a:latin typeface="Inter"/>
                 <a:ea typeface="Inter"/>
                 <a:cs typeface="Inter"/>
                 <a:sym typeface="Inter"/>
               </a:rPr>
-              <a:t>xxxxxx</a:t>
-            </a:r>
-            <a:endParaRPr b="0" i="1" sz="1200" u="none" cap="none" strike="noStrike">
+              <a:t>Détection automatique des tweets de catastrophes naturelles</a:t>
+            </a:r>
+            <a:endParaRPr sz="1200">
               <a:solidFill>
-                <a:srgbClr val="0E3449"/>
+                <a:srgbClr val="015955"/>
               </a:solidFill>
-              <a:latin typeface="Inter"/>
-              <a:ea typeface="Inter"/>
-              <a:cs typeface="Inter"/>
-              <a:sym typeface="Inter"/>
             </a:endParaRPr>
-          </a:p>
-        </p:txBody>
-      </p:sp>
-      <p:sp>
-        <p:nvSpPr>
-          <p:cNvPr id="322" name="Google Shape;322;g10912a73fb9_0_168"/>
-          <p:cNvSpPr txBox="1"/>
-          <p:nvPr>
-            <p:ph idx="4294967295" type="ctrTitle"/>
-          </p:nvPr>
-        </p:nvSpPr>
-        <p:spPr>
-          <a:xfrm>
-            <a:off x="1219842" y="1284325"/>
-            <a:ext cx="826200" cy="533100"/>
-          </a:xfrm>
-          <a:prstGeom prst="rect">
-            <a:avLst/>
-          </a:prstGeom>
-          <a:noFill/>
-          <a:ln>
-            <a:noFill/>
-          </a:ln>
-        </p:spPr>
-        <p:txBody>
-          <a:bodyPr anchorCtr="0" anchor="t" bIns="91425" lIns="91425" spcFirstLastPara="1" rIns="91425" wrap="square" tIns="91425">
-            <a:noAutofit/>
-          </a:bodyPr>
-          <a:lstStyle/>
-          <a:p>
-            <a:pPr indent="0" lvl="0" marL="0" marR="0" rtl="0" algn="l">
-              <a:lnSpc>
-                <a:spcPct val="100000"/>
-              </a:lnSpc>
-              <a:spcBef>
-                <a:spcPts val="0"/>
-              </a:spcBef>
-              <a:spcAft>
-                <a:spcPts val="0"/>
-              </a:spcAft>
-              <a:buClr>
-                <a:schemeClr val="dk1"/>
-              </a:buClr>
-              <a:buSzPts val="2800"/>
-              <a:buFont typeface="Arial"/>
-              <a:buNone/>
-            </a:pPr>
-            <a:r>
-              <a:rPr lang="fr" sz="2000">
-                <a:solidFill>
-                  <a:srgbClr val="4B5258"/>
-                </a:solidFill>
-                <a:latin typeface="Inter"/>
-                <a:ea typeface="Inter"/>
-                <a:cs typeface="Inter"/>
-                <a:sym typeface="Inter"/>
-              </a:rPr>
-              <a:t>xxxx</a:t>
-            </a:r>
-            <a:endParaRPr b="0" i="0" sz="2000" u="none" cap="none" strike="noStrike">
-              <a:solidFill>
-                <a:srgbClr val="4B5258"/>
-              </a:solidFill>
-              <a:latin typeface="Inter"/>
-              <a:ea typeface="Inter"/>
-              <a:cs typeface="Inter"/>
-              <a:sym typeface="Inter"/>
-            </a:endParaRPr>
-          </a:p>
-        </p:txBody>
-      </p:sp>
-      <p:sp>
-        <p:nvSpPr>
-          <p:cNvPr id="323" name="Google Shape;323;g10912a73fb9_0_168"/>
-          <p:cNvSpPr txBox="1"/>
-          <p:nvPr>
-            <p:ph idx="12" type="sldNum"/>
-          </p:nvPr>
-        </p:nvSpPr>
-        <p:spPr>
-          <a:xfrm>
-            <a:off x="8472458" y="4663217"/>
-            <a:ext cx="548700" cy="393600"/>
-          </a:xfrm>
-          <a:prstGeom prst="rect">
-            <a:avLst/>
-          </a:prstGeom>
-          <a:noFill/>
-          <a:ln>
-            <a:noFill/>
-          </a:ln>
-        </p:spPr>
-        <p:txBody>
-          <a:bodyPr anchorCtr="0" anchor="ctr" bIns="91425" lIns="91425" spcFirstLastPara="1" rIns="91425" wrap="square" tIns="91425">
-            <a:noAutofit/>
-          </a:bodyPr>
-          <a:lstStyle/>
-          <a:p>
-            <a:pPr indent="0" lvl="0" marL="0" rtl="0" algn="r">
-              <a:lnSpc>
-                <a:spcPct val="100000"/>
-              </a:lnSpc>
-              <a:spcBef>
-                <a:spcPts val="0"/>
-              </a:spcBef>
-              <a:spcAft>
-                <a:spcPts val="0"/>
-              </a:spcAft>
-              <a:buSzPts val="1000"/>
-              <a:buNone/>
-            </a:pPr>
-            <a:fld id="{00000000-1234-1234-1234-123412341234}" type="slidenum">
-              <a:rPr lang="fr"/>
-              <a:t>‹#›</a:t>
-            </a:fld>
-            <a:endParaRPr/>
           </a:p>
         </p:txBody>
       </p:sp>
@@ -23500,7 +23291,7 @@
   <p:cSld>
     <p:spTree>
       <p:nvGrpSpPr>
-        <p:cNvPr id="327" name="Shape 327"/>
+        <p:cNvPr id="324" name="Shape 324"/>
         <p:cNvGrpSpPr/>
         <p:nvPr/>
       </p:nvGrpSpPr>
@@ -23514,7 +23305,7 @@
       </p:grpSpPr>
       <p:sp>
         <p:nvSpPr>
-          <p:cNvPr id="328" name="Google Shape;328;g10912a73fb9_0_177"/>
+          <p:cNvPr id="325" name="Google Shape;325;g10b0b628a7a_0_21"/>
           <p:cNvSpPr txBox="1"/>
           <p:nvPr>
             <p:ph idx="4294967295" type="ctrTitle"/>
@@ -23582,7 +23373,7 @@
       </p:sp>
       <p:pic>
         <p:nvPicPr>
-          <p:cNvPr id="329" name="Google Shape;329;g10912a73fb9_0_177"/>
+          <p:cNvPr id="326" name="Google Shape;326;g10b0b628a7a_0_21"/>
           <p:cNvPicPr preferRelativeResize="0"/>
           <p:nvPr/>
         </p:nvPicPr>
@@ -23609,7 +23400,7 @@
       </p:pic>
       <p:sp>
         <p:nvSpPr>
-          <p:cNvPr id="330" name="Google Shape;330;g10912a73fb9_0_177"/>
+          <p:cNvPr id="327" name="Google Shape;327;g10b0b628a7a_0_21"/>
           <p:cNvSpPr/>
           <p:nvPr/>
         </p:nvSpPr>
@@ -23668,7 +23459,7 @@
       </p:sp>
       <p:sp>
         <p:nvSpPr>
-          <p:cNvPr id="331" name="Google Shape;331;g10912a73fb9_0_177"/>
+          <p:cNvPr id="328" name="Google Shape;328;g10b0b628a7a_0_21"/>
           <p:cNvSpPr txBox="1"/>
           <p:nvPr>
             <p:ph idx="4294967295" type="ctrTitle"/>
@@ -23676,7 +23467,7 @@
         </p:nvSpPr>
         <p:spPr>
           <a:xfrm>
-            <a:off x="1219842" y="2208575"/>
+            <a:off x="1219842" y="1751375"/>
             <a:ext cx="1898100" cy="533100"/>
           </a:xfrm>
           <a:prstGeom prst="rect">
@@ -23720,9 +23511,9 @@
                 <a:cs typeface="Inter"/>
                 <a:sym typeface="Inter"/>
               </a:rPr>
-              <a:t>xxxxxx</a:t>
-            </a:r>
-            <a:endParaRPr b="0" i="1" sz="1200" u="none" cap="none" strike="noStrike">
+              <a:t>Stop word</a:t>
+            </a:r>
+            <a:endParaRPr i="1" sz="1200">
               <a:solidFill>
                 <a:srgbClr val="0E3449"/>
               </a:solidFill>
@@ -23732,11 +23523,51 @@
               <a:sym typeface="Inter"/>
             </a:endParaRPr>
           </a:p>
+          <a:p>
+            <a:pPr indent="0" lvl="0" marL="0" marR="0" rtl="0" algn="l">
+              <a:lnSpc>
+                <a:spcPct val="100000"/>
+              </a:lnSpc>
+              <a:spcBef>
+                <a:spcPts val="0"/>
+              </a:spcBef>
+              <a:spcAft>
+                <a:spcPts val="0"/>
+              </a:spcAft>
+              <a:buClr>
+                <a:schemeClr val="dk1"/>
+              </a:buClr>
+              <a:buSzPts val="2800"/>
+              <a:buFont typeface="Arial"/>
+              <a:buNone/>
+            </a:pPr>
+            <a:r>
+              <a:rPr i="1" lang="fr" sz="1200">
+                <a:solidFill>
+                  <a:srgbClr val="0E3449"/>
+                </a:solidFill>
+                <a:latin typeface="Inter"/>
+                <a:ea typeface="Inter"/>
+                <a:cs typeface="Inter"/>
+                <a:sym typeface="Inter"/>
+              </a:rPr>
+              <a:t>wordcloud</a:t>
+            </a:r>
+            <a:endParaRPr i="1" sz="1200">
+              <a:solidFill>
+                <a:srgbClr val="0E3449"/>
+              </a:solidFill>
+              <a:latin typeface="Inter"/>
+              <a:ea typeface="Inter"/>
+              <a:cs typeface="Inter"/>
+              <a:sym typeface="Inter"/>
+            </a:endParaRPr>
+          </a:p>
         </p:txBody>
       </p:sp>
       <p:sp>
         <p:nvSpPr>
-          <p:cNvPr id="332" name="Google Shape;332;g10912a73fb9_0_177"/>
+          <p:cNvPr id="329" name="Google Shape;329;g10b0b628a7a_0_21"/>
           <p:cNvSpPr txBox="1"/>
           <p:nvPr>
             <p:ph idx="4294967295" type="ctrTitle"/>
@@ -23744,8 +23575,8 @@
         </p:nvSpPr>
         <p:spPr>
           <a:xfrm>
-            <a:off x="1219842" y="1284325"/>
-            <a:ext cx="826200" cy="533100"/>
+            <a:off x="1219848" y="1284325"/>
+            <a:ext cx="2056500" cy="533100"/>
           </a:xfrm>
           <a:prstGeom prst="rect">
             <a:avLst/>
@@ -23788,7 +23619,7 @@
                 <a:cs typeface="Inter"/>
                 <a:sym typeface="Inter"/>
               </a:rPr>
-              <a:t>xxxx</a:t>
+              <a:t>Exploration</a:t>
             </a:r>
             <a:endParaRPr b="0" i="0" sz="2000" u="none" cap="none" strike="noStrike">
               <a:solidFill>
@@ -23804,7 +23635,7 @@
       </p:sp>
       <p:sp>
         <p:nvSpPr>
-          <p:cNvPr id="333" name="Google Shape;333;g10912a73fb9_0_177"/>
+          <p:cNvPr id="330" name="Google Shape;330;g10b0b628a7a_0_21"/>
           <p:cNvSpPr txBox="1"/>
           <p:nvPr>
             <p:ph idx="12" type="sldNum"/>
@@ -23847,6 +23678,438 @@
               <a:t>‹#›</a:t>
             </a:fld>
             <a:endParaRPr/>
+          </a:p>
+        </p:txBody>
+      </p:sp>
+      <p:sp>
+        <p:nvSpPr>
+          <p:cNvPr id="331" name="Google Shape;331;g10b0b628a7a_0_21"/>
+          <p:cNvSpPr txBox="1"/>
+          <p:nvPr>
+            <p:ph idx="4294967295" type="ctrTitle"/>
+          </p:nvPr>
+        </p:nvSpPr>
+        <p:spPr>
+          <a:xfrm>
+            <a:off x="3792717" y="1751375"/>
+            <a:ext cx="1898100" cy="533100"/>
+          </a:xfrm>
+          <a:prstGeom prst="rect">
+            <a:avLst/>
+          </a:prstGeom>
+          <a:noFill/>
+          <a:ln>
+            <a:noFill/>
+          </a:ln>
+        </p:spPr>
+        <p:txBody>
+          <a:bodyPr anchorCtr="0" anchor="t" bIns="91425" lIns="91425" spcFirstLastPara="1" rIns="91425" wrap="square" tIns="91425">
+            <a:noAutofit/>
+          </a:bodyPr>
+          <a:lstStyle/>
+          <a:p>
+            <a:pPr indent="0" lvl="0" marL="0" marR="0" rtl="0" algn="l">
+              <a:lnSpc>
+                <a:spcPct val="100000"/>
+              </a:lnSpc>
+              <a:spcBef>
+                <a:spcPts val="0"/>
+              </a:spcBef>
+              <a:spcAft>
+                <a:spcPts val="0"/>
+              </a:spcAft>
+              <a:buClr>
+                <a:schemeClr val="dk1"/>
+              </a:buClr>
+              <a:buSzPts val="2800"/>
+              <a:buFont typeface="Arial"/>
+              <a:buNone/>
+            </a:pPr>
+            <a:r>
+              <a:rPr i="1" lang="fr" sz="1200">
+                <a:solidFill>
+                  <a:srgbClr val="0E3449"/>
+                </a:solidFill>
+                <a:latin typeface="Inter"/>
+                <a:ea typeface="Inter"/>
+                <a:cs typeface="Inter"/>
+                <a:sym typeface="Inter"/>
+              </a:rPr>
+              <a:t>Splitter donnée</a:t>
+            </a:r>
+            <a:endParaRPr i="1" sz="1200">
+              <a:solidFill>
+                <a:srgbClr val="0E3449"/>
+              </a:solidFill>
+              <a:latin typeface="Inter"/>
+              <a:ea typeface="Inter"/>
+              <a:cs typeface="Inter"/>
+              <a:sym typeface="Inter"/>
+            </a:endParaRPr>
+          </a:p>
+          <a:p>
+            <a:pPr indent="0" lvl="0" marL="0" marR="0" rtl="0" algn="l">
+              <a:lnSpc>
+                <a:spcPct val="100000"/>
+              </a:lnSpc>
+              <a:spcBef>
+                <a:spcPts val="0"/>
+              </a:spcBef>
+              <a:spcAft>
+                <a:spcPts val="0"/>
+              </a:spcAft>
+              <a:buClr>
+                <a:schemeClr val="dk1"/>
+              </a:buClr>
+              <a:buSzPts val="2800"/>
+              <a:buFont typeface="Arial"/>
+              <a:buNone/>
+            </a:pPr>
+            <a:r>
+              <a:rPr i="1" lang="fr" sz="1200">
+                <a:solidFill>
+                  <a:srgbClr val="0E3449"/>
+                </a:solidFill>
+                <a:latin typeface="Inter"/>
+                <a:ea typeface="Inter"/>
+                <a:cs typeface="Inter"/>
+                <a:sym typeface="Inter"/>
+              </a:rPr>
+              <a:t>Tokenization</a:t>
+            </a:r>
+            <a:endParaRPr i="1" sz="1200">
+              <a:solidFill>
+                <a:srgbClr val="0E3449"/>
+              </a:solidFill>
+              <a:latin typeface="Inter"/>
+              <a:ea typeface="Inter"/>
+              <a:cs typeface="Inter"/>
+              <a:sym typeface="Inter"/>
+            </a:endParaRPr>
+          </a:p>
+          <a:p>
+            <a:pPr indent="0" lvl="0" marL="0" marR="0" rtl="0" algn="l">
+              <a:lnSpc>
+                <a:spcPct val="100000"/>
+              </a:lnSpc>
+              <a:spcBef>
+                <a:spcPts val="0"/>
+              </a:spcBef>
+              <a:spcAft>
+                <a:spcPts val="0"/>
+              </a:spcAft>
+              <a:buClr>
+                <a:schemeClr val="dk1"/>
+              </a:buClr>
+              <a:buSzPts val="2800"/>
+              <a:buFont typeface="Arial"/>
+              <a:buNone/>
+            </a:pPr>
+            <a:r>
+              <a:rPr i="1" lang="fr" sz="1200">
+                <a:solidFill>
+                  <a:srgbClr val="0E3449"/>
+                </a:solidFill>
+                <a:latin typeface="Inter"/>
+                <a:ea typeface="Inter"/>
+                <a:cs typeface="Inter"/>
+                <a:sym typeface="Inter"/>
+              </a:rPr>
+              <a:t>Padded sequence</a:t>
+            </a:r>
+            <a:endParaRPr i="1" sz="1200">
+              <a:solidFill>
+                <a:srgbClr val="0E3449"/>
+              </a:solidFill>
+              <a:latin typeface="Inter"/>
+              <a:ea typeface="Inter"/>
+              <a:cs typeface="Inter"/>
+              <a:sym typeface="Inter"/>
+            </a:endParaRPr>
+          </a:p>
+          <a:p>
+            <a:pPr indent="0" lvl="0" marL="0" marR="0" rtl="0" algn="l">
+              <a:lnSpc>
+                <a:spcPct val="100000"/>
+              </a:lnSpc>
+              <a:spcBef>
+                <a:spcPts val="0"/>
+              </a:spcBef>
+              <a:spcAft>
+                <a:spcPts val="0"/>
+              </a:spcAft>
+              <a:buClr>
+                <a:schemeClr val="dk1"/>
+              </a:buClr>
+              <a:buSzPts val="2800"/>
+              <a:buFont typeface="Arial"/>
+              <a:buNone/>
+            </a:pPr>
+            <a:r>
+              <a:rPr i="1" lang="fr" sz="1200">
+                <a:solidFill>
+                  <a:srgbClr val="0E3449"/>
+                </a:solidFill>
+                <a:latin typeface="Inter"/>
+                <a:ea typeface="Inter"/>
+                <a:cs typeface="Inter"/>
+                <a:sym typeface="Inter"/>
+              </a:rPr>
+              <a:t>Train_test_split</a:t>
+            </a:r>
+            <a:endParaRPr i="1" sz="1200">
+              <a:solidFill>
+                <a:srgbClr val="0E3449"/>
+              </a:solidFill>
+              <a:latin typeface="Inter"/>
+              <a:ea typeface="Inter"/>
+              <a:cs typeface="Inter"/>
+              <a:sym typeface="Inter"/>
+            </a:endParaRPr>
+          </a:p>
+        </p:txBody>
+      </p:sp>
+      <p:sp>
+        <p:nvSpPr>
+          <p:cNvPr id="332" name="Google Shape;332;g10b0b628a7a_0_21"/>
+          <p:cNvSpPr txBox="1"/>
+          <p:nvPr>
+            <p:ph idx="4294967295" type="ctrTitle"/>
+          </p:nvPr>
+        </p:nvSpPr>
+        <p:spPr>
+          <a:xfrm>
+            <a:off x="3792723" y="1284325"/>
+            <a:ext cx="2056500" cy="533100"/>
+          </a:xfrm>
+          <a:prstGeom prst="rect">
+            <a:avLst/>
+          </a:prstGeom>
+          <a:noFill/>
+          <a:ln>
+            <a:noFill/>
+          </a:ln>
+        </p:spPr>
+        <p:txBody>
+          <a:bodyPr anchorCtr="0" anchor="t" bIns="91425" lIns="91425" spcFirstLastPara="1" rIns="91425" wrap="square" tIns="91425">
+            <a:noAutofit/>
+          </a:bodyPr>
+          <a:lstStyle/>
+          <a:p>
+            <a:pPr indent="0" lvl="0" marL="0" marR="0" rtl="0" algn="l">
+              <a:lnSpc>
+                <a:spcPct val="100000"/>
+              </a:lnSpc>
+              <a:spcBef>
+                <a:spcPts val="0"/>
+              </a:spcBef>
+              <a:spcAft>
+                <a:spcPts val="0"/>
+              </a:spcAft>
+              <a:buClr>
+                <a:schemeClr val="dk1"/>
+              </a:buClr>
+              <a:buSzPts val="2800"/>
+              <a:buFont typeface="Arial"/>
+              <a:buNone/>
+            </a:pPr>
+            <a:r>
+              <a:rPr lang="fr" sz="2000">
+                <a:solidFill>
+                  <a:srgbClr val="4B5258"/>
+                </a:solidFill>
+                <a:latin typeface="Inter"/>
+                <a:ea typeface="Inter"/>
+                <a:cs typeface="Inter"/>
+                <a:sym typeface="Inter"/>
+              </a:rPr>
+              <a:t>Preprocessing</a:t>
+            </a:r>
+            <a:endParaRPr b="0" i="0" sz="2000" u="none" cap="none" strike="noStrike">
+              <a:solidFill>
+                <a:srgbClr val="4B5258"/>
+              </a:solidFill>
+              <a:latin typeface="Inter"/>
+              <a:ea typeface="Inter"/>
+              <a:cs typeface="Inter"/>
+              <a:sym typeface="Inter"/>
+            </a:endParaRPr>
+          </a:p>
+        </p:txBody>
+      </p:sp>
+      <p:sp>
+        <p:nvSpPr>
+          <p:cNvPr id="333" name="Google Shape;333;g10b0b628a7a_0_21"/>
+          <p:cNvSpPr txBox="1"/>
+          <p:nvPr>
+            <p:ph idx="4294967295" type="ctrTitle"/>
+          </p:nvPr>
+        </p:nvSpPr>
+        <p:spPr>
+          <a:xfrm>
+            <a:off x="1291275" y="3520325"/>
+            <a:ext cx="7181100" cy="533100"/>
+          </a:xfrm>
+          <a:prstGeom prst="rect">
+            <a:avLst/>
+          </a:prstGeom>
+          <a:noFill/>
+          <a:ln>
+            <a:noFill/>
+          </a:ln>
+        </p:spPr>
+        <p:txBody>
+          <a:bodyPr anchorCtr="0" anchor="t" bIns="91425" lIns="91425" spcFirstLastPara="1" rIns="91425" wrap="square" tIns="91425">
+            <a:noAutofit/>
+          </a:bodyPr>
+          <a:lstStyle/>
+          <a:p>
+            <a:pPr indent="0" lvl="0" marL="0" marR="0" rtl="0" algn="l">
+              <a:lnSpc>
+                <a:spcPct val="100000"/>
+              </a:lnSpc>
+              <a:spcBef>
+                <a:spcPts val="0"/>
+              </a:spcBef>
+              <a:spcAft>
+                <a:spcPts val="0"/>
+              </a:spcAft>
+              <a:buClr>
+                <a:schemeClr val="dk1"/>
+              </a:buClr>
+              <a:buSzPts val="2800"/>
+              <a:buFont typeface="Arial"/>
+              <a:buNone/>
+            </a:pPr>
+            <a:r>
+              <a:rPr i="1" lang="fr" sz="1200">
+                <a:solidFill>
+                  <a:srgbClr val="0E3449"/>
+                </a:solidFill>
+                <a:latin typeface="Inter"/>
+                <a:ea typeface="Inter"/>
+                <a:cs typeface="Inter"/>
+                <a:sym typeface="Inter"/>
+              </a:rPr>
+              <a:t>CNN model :</a:t>
+            </a:r>
+            <a:endParaRPr i="1" sz="1200">
+              <a:solidFill>
+                <a:srgbClr val="0E3449"/>
+              </a:solidFill>
+              <a:latin typeface="Inter"/>
+              <a:ea typeface="Inter"/>
+              <a:cs typeface="Inter"/>
+              <a:sym typeface="Inter"/>
+            </a:endParaRPr>
+          </a:p>
+          <a:p>
+            <a:pPr indent="0" lvl="0" marL="0" marR="0" rtl="0" algn="l">
+              <a:lnSpc>
+                <a:spcPct val="100000"/>
+              </a:lnSpc>
+              <a:spcBef>
+                <a:spcPts val="0"/>
+              </a:spcBef>
+              <a:spcAft>
+                <a:spcPts val="0"/>
+              </a:spcAft>
+              <a:buClr>
+                <a:schemeClr val="dk1"/>
+              </a:buClr>
+              <a:buSzPts val="2800"/>
+              <a:buFont typeface="Arial"/>
+              <a:buNone/>
+            </a:pPr>
+            <a:r>
+              <a:rPr i="1" lang="fr" sz="1200">
+                <a:solidFill>
+                  <a:srgbClr val="0E3449"/>
+                </a:solidFill>
+                <a:latin typeface="Inter"/>
+                <a:ea typeface="Inter"/>
+                <a:cs typeface="Inter"/>
+                <a:sym typeface="Inter"/>
+              </a:rPr>
+              <a:t>Embedding → Conv1D → Dropout → MaxPolling1D → Flatten → Dense → Dropout → Dense</a:t>
+            </a:r>
+            <a:endParaRPr i="1" sz="1200">
+              <a:solidFill>
+                <a:srgbClr val="0E3449"/>
+              </a:solidFill>
+              <a:latin typeface="Inter"/>
+              <a:ea typeface="Inter"/>
+              <a:cs typeface="Inter"/>
+              <a:sym typeface="Inter"/>
+            </a:endParaRPr>
+          </a:p>
+        </p:txBody>
+      </p:sp>
+      <p:sp>
+        <p:nvSpPr>
+          <p:cNvPr id="334" name="Google Shape;334;g10b0b628a7a_0_21"/>
+          <p:cNvSpPr txBox="1"/>
+          <p:nvPr>
+            <p:ph idx="4294967295" type="ctrTitle"/>
+          </p:nvPr>
+        </p:nvSpPr>
+        <p:spPr>
+          <a:xfrm>
+            <a:off x="1291248" y="3053275"/>
+            <a:ext cx="2056500" cy="533100"/>
+          </a:xfrm>
+          <a:prstGeom prst="rect">
+            <a:avLst/>
+          </a:prstGeom>
+          <a:noFill/>
+          <a:ln>
+            <a:noFill/>
+          </a:ln>
+        </p:spPr>
+        <p:txBody>
+          <a:bodyPr anchorCtr="0" anchor="t" bIns="91425" lIns="91425" spcFirstLastPara="1" rIns="91425" wrap="square" tIns="91425">
+            <a:noAutofit/>
+          </a:bodyPr>
+          <a:lstStyle/>
+          <a:p>
+            <a:pPr indent="0" lvl="0" marL="0" marR="0" rtl="0" algn="l">
+              <a:lnSpc>
+                <a:spcPct val="100000"/>
+              </a:lnSpc>
+              <a:spcBef>
+                <a:spcPts val="0"/>
+              </a:spcBef>
+              <a:spcAft>
+                <a:spcPts val="0"/>
+              </a:spcAft>
+              <a:buClr>
+                <a:schemeClr val="dk1"/>
+              </a:buClr>
+              <a:buSzPts val="2800"/>
+              <a:buFont typeface="Arial"/>
+              <a:buNone/>
+            </a:pPr>
+            <a:r>
+              <a:rPr lang="fr" sz="2000">
+                <a:solidFill>
+                  <a:srgbClr val="4B5258"/>
+                </a:solidFill>
+                <a:latin typeface="Inter"/>
+                <a:ea typeface="Inter"/>
+                <a:cs typeface="Inter"/>
+                <a:sym typeface="Inter"/>
+              </a:rPr>
+              <a:t>Modelling</a:t>
+            </a:r>
+            <a:endParaRPr b="0" i="0" sz="2000" u="none" cap="none" strike="noStrike">
+              <a:solidFill>
+                <a:srgbClr val="4B5258"/>
+              </a:solidFill>
+              <a:latin typeface="Inter"/>
+              <a:ea typeface="Inter"/>
+              <a:cs typeface="Inter"/>
+              <a:sym typeface="Inter"/>
+            </a:endParaRPr>
           </a:p>
         </p:txBody>
       </p:sp>
@@ -23863,7 +24126,7 @@
   <p:cSld>
     <p:spTree>
       <p:nvGrpSpPr>
-        <p:cNvPr id="337" name="Shape 337"/>
+        <p:cNvPr id="338" name="Shape 338"/>
         <p:cNvGrpSpPr/>
         <p:nvPr/>
       </p:nvGrpSpPr>
@@ -23875,9 +24138,77 @@
           <a:chExt cx="0" cy="0"/>
         </a:xfrm>
       </p:grpSpPr>
+      <p:sp>
+        <p:nvSpPr>
+          <p:cNvPr id="339" name="Google Shape;339;g10b0b628a7a_0_10"/>
+          <p:cNvSpPr txBox="1"/>
+          <p:nvPr>
+            <p:ph idx="4294967295" type="ctrTitle"/>
+          </p:nvPr>
+        </p:nvSpPr>
+        <p:spPr>
+          <a:xfrm>
+            <a:off x="1192664" y="403309"/>
+            <a:ext cx="5315100" cy="533100"/>
+          </a:xfrm>
+          <a:prstGeom prst="rect">
+            <a:avLst/>
+          </a:prstGeom>
+          <a:noFill/>
+          <a:ln>
+            <a:noFill/>
+          </a:ln>
+        </p:spPr>
+        <p:txBody>
+          <a:bodyPr anchorCtr="0" anchor="t" bIns="91425" lIns="91425" spcFirstLastPara="1" rIns="91425" wrap="square" tIns="91425">
+            <a:noAutofit/>
+          </a:bodyPr>
+          <a:lstStyle/>
+          <a:p>
+            <a:pPr indent="0" lvl="0" marL="0" marR="0" rtl="0" algn="l">
+              <a:lnSpc>
+                <a:spcPct val="100000"/>
+              </a:lnSpc>
+              <a:spcBef>
+                <a:spcPts val="0"/>
+              </a:spcBef>
+              <a:spcAft>
+                <a:spcPts val="0"/>
+              </a:spcAft>
+              <a:buClr>
+                <a:schemeClr val="dk1"/>
+              </a:buClr>
+              <a:buSzPts val="2800"/>
+              <a:buFont typeface="Arial"/>
+              <a:buNone/>
+            </a:pPr>
+            <a:r>
+              <a:rPr lang="fr" sz="2500">
+                <a:solidFill>
+                  <a:srgbClr val="0E3449"/>
+                </a:solidFill>
+                <a:latin typeface="Inter"/>
+                <a:ea typeface="Inter"/>
+                <a:cs typeface="Inter"/>
+                <a:sym typeface="Inter"/>
+              </a:rPr>
+              <a:t>Exploration</a:t>
+            </a:r>
+            <a:endParaRPr b="0" i="0" sz="2500" u="none" cap="none" strike="noStrike">
+              <a:solidFill>
+                <a:srgbClr val="0E3449"/>
+              </a:solidFill>
+              <a:latin typeface="Inter"/>
+              <a:ea typeface="Inter"/>
+              <a:cs typeface="Inter"/>
+              <a:sym typeface="Inter"/>
+            </a:endParaRPr>
+          </a:p>
+        </p:txBody>
+      </p:sp>
       <p:pic>
         <p:nvPicPr>
-          <p:cNvPr id="338" name="Google Shape;338;g10912a73fb9_0_186"/>
+          <p:cNvPr id="340" name="Google Shape;340;g10b0b628a7a_0_10"/>
           <p:cNvPicPr preferRelativeResize="0"/>
           <p:nvPr/>
         </p:nvPicPr>
@@ -23904,75 +24235,7 @@
       </p:pic>
       <p:sp>
         <p:nvSpPr>
-          <p:cNvPr id="339" name="Google Shape;339;g10912a73fb9_0_186"/>
-          <p:cNvSpPr txBox="1"/>
-          <p:nvPr>
-            <p:ph idx="4294967295" type="ctrTitle"/>
-          </p:nvPr>
-        </p:nvSpPr>
-        <p:spPr>
-          <a:xfrm>
-            <a:off x="1914450" y="406652"/>
-            <a:ext cx="5315100" cy="466800"/>
-          </a:xfrm>
-          <a:prstGeom prst="rect">
-            <a:avLst/>
-          </a:prstGeom>
-          <a:noFill/>
-          <a:ln>
-            <a:noFill/>
-          </a:ln>
-        </p:spPr>
-        <p:txBody>
-          <a:bodyPr anchorCtr="0" anchor="t" bIns="91425" lIns="91425" spcFirstLastPara="1" rIns="91425" wrap="square" tIns="91425">
-            <a:noAutofit/>
-          </a:bodyPr>
-          <a:lstStyle/>
-          <a:p>
-            <a:pPr indent="0" lvl="0" marL="0" marR="0" rtl="0" algn="ctr">
-              <a:lnSpc>
-                <a:spcPct val="100000"/>
-              </a:lnSpc>
-              <a:spcBef>
-                <a:spcPts val="0"/>
-              </a:spcBef>
-              <a:spcAft>
-                <a:spcPts val="0"/>
-              </a:spcAft>
-              <a:buClr>
-                <a:schemeClr val="dk1"/>
-              </a:buClr>
-              <a:buSzPts val="2800"/>
-              <a:buFont typeface="Arial"/>
-              <a:buNone/>
-            </a:pPr>
-            <a:r>
-              <a:rPr lang="fr" sz="2500">
-                <a:solidFill>
-                  <a:srgbClr val="0E3449"/>
-                </a:solidFill>
-                <a:latin typeface="Inter"/>
-                <a:ea typeface="Inter"/>
-                <a:cs typeface="Inter"/>
-                <a:sym typeface="Inter"/>
-              </a:rPr>
-              <a:t>Démonstration</a:t>
-            </a:r>
-            <a:endParaRPr b="0" i="0" sz="2500" u="none" cap="none" strike="noStrike">
-              <a:solidFill>
-                <a:srgbClr val="0E3449"/>
-              </a:solidFill>
-              <a:latin typeface="Inter"/>
-              <a:ea typeface="Inter"/>
-              <a:cs typeface="Inter"/>
-              <a:sym typeface="Inter"/>
-            </a:endParaRPr>
-          </a:p>
-        </p:txBody>
-      </p:sp>
-      <p:sp>
-        <p:nvSpPr>
-          <p:cNvPr id="340" name="Google Shape;340;g10912a73fb9_0_186"/>
+          <p:cNvPr id="341" name="Google Shape;341;g10b0b628a7a_0_10"/>
           <p:cNvSpPr/>
           <p:nvPr/>
         </p:nvSpPr>
@@ -24031,7 +24294,7 @@
       </p:sp>
       <p:sp>
         <p:nvSpPr>
-          <p:cNvPr id="341" name="Google Shape;341;g10912a73fb9_0_186"/>
+          <p:cNvPr id="342" name="Google Shape;342;g10b0b628a7a_0_10"/>
           <p:cNvSpPr txBox="1"/>
           <p:nvPr>
             <p:ph idx="12" type="sldNum"/>
@@ -24077,6 +24340,62 @@
           </a:p>
         </p:txBody>
       </p:sp>
+      <p:pic>
+        <p:nvPicPr>
+          <p:cNvPr id="343" name="Google Shape;343;g10b0b628a7a_0_10"/>
+          <p:cNvPicPr preferRelativeResize="0"/>
+          <p:nvPr/>
+        </p:nvPicPr>
+        <p:blipFill>
+          <a:blip r:embed="rId4">
+            <a:alphaModFix/>
+          </a:blip>
+          <a:stretch>
+            <a:fillRect/>
+          </a:stretch>
+        </p:blipFill>
+        <p:spPr>
+          <a:xfrm>
+            <a:off x="756163" y="1405684"/>
+            <a:ext cx="4295775" cy="3257550"/>
+          </a:xfrm>
+          <a:prstGeom prst="rect">
+            <a:avLst/>
+          </a:prstGeom>
+          <a:noFill/>
+          <a:ln>
+            <a:noFill/>
+          </a:ln>
+        </p:spPr>
+      </p:pic>
+      <p:pic>
+        <p:nvPicPr>
+          <p:cNvPr id="344" name="Google Shape;344;g10b0b628a7a_0_10"/>
+          <p:cNvPicPr preferRelativeResize="0"/>
+          <p:nvPr/>
+        </p:nvPicPr>
+        <p:blipFill>
+          <a:blip r:embed="rId5">
+            <a:alphaModFix/>
+          </a:blip>
+          <a:stretch>
+            <a:fillRect/>
+          </a:stretch>
+        </p:blipFill>
+        <p:spPr>
+          <a:xfrm>
+            <a:off x="5506944" y="1405700"/>
+            <a:ext cx="2880894" cy="3015650"/>
+          </a:xfrm>
+          <a:prstGeom prst="rect">
+            <a:avLst/>
+          </a:prstGeom>
+          <a:noFill/>
+          <a:ln>
+            <a:noFill/>
+          </a:ln>
+        </p:spPr>
+      </p:pic>
     </p:spTree>
   </p:cSld>
   <p:clrMapOvr>
@@ -24090,7 +24409,7 @@
   <p:cSld>
     <p:spTree>
       <p:nvGrpSpPr>
-        <p:cNvPr id="345" name="Shape 345"/>
+        <p:cNvPr id="348" name="Shape 348"/>
         <p:cNvGrpSpPr/>
         <p:nvPr/>
       </p:nvGrpSpPr>
@@ -24104,7 +24423,7 @@
       </p:grpSpPr>
       <p:sp>
         <p:nvSpPr>
-          <p:cNvPr id="346" name="Google Shape;346;g10912a73fb9_0_193"/>
+          <p:cNvPr id="349" name="Google Shape;349;g10912a73fb9_0_193"/>
           <p:cNvSpPr txBox="1"/>
           <p:nvPr>
             <p:ph idx="4294967295" type="ctrTitle"/>
@@ -24156,7 +24475,7 @@
                 <a:cs typeface="Inter"/>
                 <a:sym typeface="Inter"/>
               </a:rPr>
-              <a:t>Livrables</a:t>
+              <a:t>Résultats</a:t>
             </a:r>
             <a:endParaRPr b="0" i="0" sz="2500" u="none" cap="none" strike="noStrike">
               <a:solidFill>
@@ -24172,7 +24491,7 @@
       </p:sp>
       <p:pic>
         <p:nvPicPr>
-          <p:cNvPr id="347" name="Google Shape;347;g10912a73fb9_0_193"/>
+          <p:cNvPr id="350" name="Google Shape;350;g10912a73fb9_0_193"/>
           <p:cNvPicPr preferRelativeResize="0"/>
           <p:nvPr/>
         </p:nvPicPr>
@@ -24199,7 +24518,7 @@
       </p:pic>
       <p:sp>
         <p:nvSpPr>
-          <p:cNvPr id="348" name="Google Shape;348;g10912a73fb9_0_193"/>
+          <p:cNvPr id="351" name="Google Shape;351;g10912a73fb9_0_193"/>
           <p:cNvSpPr/>
           <p:nvPr/>
         </p:nvSpPr>
@@ -24258,143 +24577,7 @@
       </p:sp>
       <p:sp>
         <p:nvSpPr>
-          <p:cNvPr id="349" name="Google Shape;349;g10912a73fb9_0_193"/>
-          <p:cNvSpPr txBox="1"/>
-          <p:nvPr>
-            <p:ph idx="4294967295" type="ctrTitle"/>
-          </p:nvPr>
-        </p:nvSpPr>
-        <p:spPr>
-          <a:xfrm>
-            <a:off x="1219842" y="2208575"/>
-            <a:ext cx="1898100" cy="533100"/>
-          </a:xfrm>
-          <a:prstGeom prst="rect">
-            <a:avLst/>
-          </a:prstGeom>
-          <a:noFill/>
-          <a:ln>
-            <a:noFill/>
-          </a:ln>
-        </p:spPr>
-        <p:txBody>
-          <a:bodyPr anchorCtr="0" anchor="t" bIns="91425" lIns="91425" spcFirstLastPara="1" rIns="91425" wrap="square" tIns="91425">
-            <a:noAutofit/>
-          </a:bodyPr>
-          <a:lstStyle/>
-          <a:p>
-            <a:pPr indent="0" lvl="0" marL="0" marR="0" rtl="0" algn="l">
-              <a:lnSpc>
-                <a:spcPct val="100000"/>
-              </a:lnSpc>
-              <a:spcBef>
-                <a:spcPts val="0"/>
-              </a:spcBef>
-              <a:spcAft>
-                <a:spcPts val="0"/>
-              </a:spcAft>
-              <a:buClr>
-                <a:schemeClr val="dk1"/>
-              </a:buClr>
-              <a:buSzPts val="2800"/>
-              <a:buFont typeface="Arial"/>
-              <a:buNone/>
-            </a:pPr>
-            <a:r>
-              <a:rPr i="1" lang="fr" sz="1200">
-                <a:solidFill>
-                  <a:srgbClr val="0E3449"/>
-                </a:solidFill>
-                <a:latin typeface="Inter"/>
-                <a:ea typeface="Inter"/>
-                <a:cs typeface="Inter"/>
-                <a:sym typeface="Inter"/>
-              </a:rPr>
-              <a:t>xxxxxx</a:t>
-            </a:r>
-            <a:endParaRPr b="0" i="1" sz="1200" u="none" cap="none" strike="noStrike">
-              <a:solidFill>
-                <a:srgbClr val="0E3449"/>
-              </a:solidFill>
-              <a:latin typeface="Inter"/>
-              <a:ea typeface="Inter"/>
-              <a:cs typeface="Inter"/>
-              <a:sym typeface="Inter"/>
-            </a:endParaRPr>
-          </a:p>
-        </p:txBody>
-      </p:sp>
-      <p:sp>
-        <p:nvSpPr>
-          <p:cNvPr id="350" name="Google Shape;350;g10912a73fb9_0_193"/>
-          <p:cNvSpPr txBox="1"/>
-          <p:nvPr>
-            <p:ph idx="4294967295" type="ctrTitle"/>
-          </p:nvPr>
-        </p:nvSpPr>
-        <p:spPr>
-          <a:xfrm>
-            <a:off x="1219842" y="1284325"/>
-            <a:ext cx="826200" cy="533100"/>
-          </a:xfrm>
-          <a:prstGeom prst="rect">
-            <a:avLst/>
-          </a:prstGeom>
-          <a:noFill/>
-          <a:ln>
-            <a:noFill/>
-          </a:ln>
-        </p:spPr>
-        <p:txBody>
-          <a:bodyPr anchorCtr="0" anchor="t" bIns="91425" lIns="91425" spcFirstLastPara="1" rIns="91425" wrap="square" tIns="91425">
-            <a:noAutofit/>
-          </a:bodyPr>
-          <a:lstStyle/>
-          <a:p>
-            <a:pPr indent="0" lvl="0" marL="0" marR="0" rtl="0" algn="l">
-              <a:lnSpc>
-                <a:spcPct val="100000"/>
-              </a:lnSpc>
-              <a:spcBef>
-                <a:spcPts val="0"/>
-              </a:spcBef>
-              <a:spcAft>
-                <a:spcPts val="0"/>
-              </a:spcAft>
-              <a:buClr>
-                <a:schemeClr val="dk1"/>
-              </a:buClr>
-              <a:buSzPts val="2800"/>
-              <a:buFont typeface="Arial"/>
-              <a:buNone/>
-            </a:pPr>
-            <a:r>
-              <a:rPr lang="fr" sz="2000">
-                <a:solidFill>
-                  <a:srgbClr val="4B5258"/>
-                </a:solidFill>
-                <a:latin typeface="Inter"/>
-                <a:ea typeface="Inter"/>
-                <a:cs typeface="Inter"/>
-                <a:sym typeface="Inter"/>
-              </a:rPr>
-              <a:t>xxxx</a:t>
-            </a:r>
-            <a:endParaRPr b="0" i="0" sz="2000" u="none" cap="none" strike="noStrike">
-              <a:solidFill>
-                <a:srgbClr val="4B5258"/>
-              </a:solidFill>
-              <a:latin typeface="Inter"/>
-              <a:ea typeface="Inter"/>
-              <a:cs typeface="Inter"/>
-              <a:sym typeface="Inter"/>
-            </a:endParaRPr>
-          </a:p>
-        </p:txBody>
-      </p:sp>
-      <p:sp>
-        <p:nvSpPr>
-          <p:cNvPr id="351" name="Google Shape;351;g10912a73fb9_0_193"/>
+          <p:cNvPr id="352" name="Google Shape;352;g10912a73fb9_0_193"/>
           <p:cNvSpPr txBox="1"/>
           <p:nvPr>
             <p:ph idx="12" type="sldNum"/>
@@ -24440,6 +24623,34 @@
           </a:p>
         </p:txBody>
       </p:sp>
+      <p:pic>
+        <p:nvPicPr>
+          <p:cNvPr id="353" name="Google Shape;353;g10912a73fb9_0_193"/>
+          <p:cNvPicPr preferRelativeResize="0"/>
+          <p:nvPr/>
+        </p:nvPicPr>
+        <p:blipFill>
+          <a:blip r:embed="rId4">
+            <a:alphaModFix/>
+          </a:blip>
+          <a:stretch>
+            <a:fillRect/>
+          </a:stretch>
+        </p:blipFill>
+        <p:spPr>
+          <a:xfrm>
+            <a:off x="1192675" y="1183909"/>
+            <a:ext cx="6924675" cy="3362325"/>
+          </a:xfrm>
+          <a:prstGeom prst="rect">
+            <a:avLst/>
+          </a:prstGeom>
+          <a:noFill/>
+          <a:ln>
+            <a:noFill/>
+          </a:ln>
+        </p:spPr>
+      </p:pic>
     </p:spTree>
   </p:cSld>
   <p:clrMapOvr>
@@ -24460,7 +24671,7 @@
     </p:bg>
     <p:spTree>
       <p:nvGrpSpPr>
-        <p:cNvPr id="355" name="Shape 355"/>
+        <p:cNvPr id="357" name="Shape 357"/>
         <p:cNvGrpSpPr/>
         <p:nvPr/>
       </p:nvGrpSpPr>
@@ -24474,7 +24685,7 @@
       </p:grpSpPr>
       <p:pic>
         <p:nvPicPr>
-          <p:cNvPr id="356" name="Google Shape;356;g10912a73fb9_0_251"/>
+          <p:cNvPr id="358" name="Google Shape;358;g10912a73fb9_0_251"/>
           <p:cNvPicPr preferRelativeResize="0"/>
           <p:nvPr/>
         </p:nvPicPr>
@@ -24501,7 +24712,7 @@
       </p:pic>
       <p:sp>
         <p:nvSpPr>
-          <p:cNvPr id="357" name="Google Shape;357;g10912a73fb9_0_251"/>
+          <p:cNvPr id="359" name="Google Shape;359;g10912a73fb9_0_251"/>
           <p:cNvSpPr txBox="1"/>
           <p:nvPr>
             <p:ph idx="12" type="sldNum"/>
@@ -24549,7 +24760,7 @@
       </p:sp>
       <p:sp>
         <p:nvSpPr>
-          <p:cNvPr id="358" name="Google Shape;358;g10912a73fb9_0_251"/>
+          <p:cNvPr id="360" name="Google Shape;360;g10912a73fb9_0_251"/>
           <p:cNvSpPr txBox="1"/>
           <p:nvPr>
             <p:ph idx="4294967295" type="ctrTitle"/>
@@ -24668,7 +24879,7 @@
   <p:cSld>
     <p:spTree>
       <p:nvGrpSpPr>
-        <p:cNvPr id="362" name="Shape 362"/>
+        <p:cNvPr id="364" name="Shape 364"/>
         <p:cNvGrpSpPr/>
         <p:nvPr/>
       </p:nvGrpSpPr>
@@ -24682,7 +24893,7 @@
       </p:grpSpPr>
       <p:sp>
         <p:nvSpPr>
-          <p:cNvPr id="363" name="Google Shape;363;g10912a73fb9_0_202"/>
+          <p:cNvPr id="365" name="Google Shape;365;g10912a73fb9_0_202"/>
           <p:cNvSpPr/>
           <p:nvPr/>
         </p:nvSpPr>
@@ -24741,7 +24952,7 @@
       </p:sp>
       <p:sp>
         <p:nvSpPr>
-          <p:cNvPr id="364" name="Google Shape;364;g10912a73fb9_0_202"/>
+          <p:cNvPr id="366" name="Google Shape;366;g10912a73fb9_0_202"/>
           <p:cNvSpPr txBox="1"/>
           <p:nvPr>
             <p:ph type="title"/>
@@ -24805,7 +25016,7 @@
       </p:sp>
       <p:pic>
         <p:nvPicPr>
-          <p:cNvPr id="365" name="Google Shape;365;g10912a73fb9_0_202"/>
+          <p:cNvPr id="367" name="Google Shape;367;g10912a73fb9_0_202"/>
           <p:cNvPicPr preferRelativeResize="0"/>
           <p:nvPr/>
         </p:nvPicPr>
@@ -24832,7 +25043,7 @@
       </p:pic>
       <p:sp>
         <p:nvSpPr>
-          <p:cNvPr id="366" name="Google Shape;366;g10912a73fb9_0_202"/>
+          <p:cNvPr id="368" name="Google Shape;368;g10912a73fb9_0_202"/>
           <p:cNvSpPr/>
           <p:nvPr/>
         </p:nvSpPr>
@@ -24893,142 +25104,13 @@
       </p:sp>
       <p:sp>
         <p:nvSpPr>
-          <p:cNvPr id="367" name="Google Shape;367;g10912a73fb9_0_202"/>
-          <p:cNvSpPr/>
-          <p:nvPr/>
-        </p:nvSpPr>
-        <p:spPr>
-          <a:xfrm rot="-355994">
-            <a:off x="4203720" y="1914988"/>
-            <a:ext cx="261199" cy="46747"/>
-          </a:xfrm>
-          <a:prstGeom prst="roundRect">
-            <a:avLst>
-              <a:gd fmla="val 50000" name="adj"/>
-            </a:avLst>
-          </a:prstGeom>
-          <a:solidFill>
-            <a:srgbClr val="C3FFFC"/>
-          </a:solidFill>
-          <a:ln>
-            <a:noFill/>
-          </a:ln>
-        </p:spPr>
-        <p:txBody>
-          <a:bodyPr anchorCtr="0" anchor="ctr" bIns="91425" lIns="91425" spcFirstLastPara="1" rIns="91425" wrap="square" tIns="91425">
-            <a:noAutofit/>
-          </a:bodyPr>
-          <a:lstStyle/>
-          <a:p>
-            <a:pPr indent="0" lvl="0" marL="0" marR="0" rtl="0" algn="l">
-              <a:lnSpc>
-                <a:spcPct val="100000"/>
-              </a:lnSpc>
-              <a:spcBef>
-                <a:spcPts val="0"/>
-              </a:spcBef>
-              <a:spcAft>
-                <a:spcPts val="0"/>
-              </a:spcAft>
-              <a:buClr>
-                <a:srgbClr val="000000"/>
-              </a:buClr>
-              <a:buSzPts val="1400"/>
-              <a:buFont typeface="Arial"/>
-              <a:buNone/>
-            </a:pPr>
-            <a:r>
-              <a:t/>
-            </a:r>
-            <a:endParaRPr b="0" i="0" sz="1400" u="none" cap="none" strike="noStrike">
-              <a:solidFill>
-                <a:srgbClr val="000000"/>
-              </a:solidFill>
-              <a:latin typeface="Arial"/>
-              <a:ea typeface="Arial"/>
-              <a:cs typeface="Arial"/>
-              <a:sym typeface="Arial"/>
-            </a:endParaRPr>
-          </a:p>
-        </p:txBody>
-      </p:sp>
-      <p:sp>
-        <p:nvSpPr>
-          <p:cNvPr id="368" name="Google Shape;368;g10912a73fb9_0_202"/>
-          <p:cNvSpPr txBox="1"/>
-          <p:nvPr>
-            <p:ph idx="4294967295" type="ctrTitle"/>
-          </p:nvPr>
-        </p:nvSpPr>
-        <p:spPr>
-          <a:xfrm>
-            <a:off x="4541277" y="2204900"/>
-            <a:ext cx="3624000" cy="533100"/>
-          </a:xfrm>
-          <a:prstGeom prst="rect">
-            <a:avLst/>
-          </a:prstGeom>
-          <a:noFill/>
-          <a:ln>
-            <a:noFill/>
-          </a:ln>
-        </p:spPr>
-        <p:txBody>
-          <a:bodyPr anchorCtr="0" anchor="t" bIns="91425" lIns="91425" spcFirstLastPara="1" rIns="91425" wrap="square" tIns="91425">
-            <a:noAutofit/>
-          </a:bodyPr>
-          <a:lstStyle/>
-          <a:p>
-            <a:pPr indent="0" lvl="0" marL="0" marR="0" rtl="0" algn="l">
-              <a:lnSpc>
-                <a:spcPct val="100000"/>
-              </a:lnSpc>
-              <a:spcBef>
-                <a:spcPts val="0"/>
-              </a:spcBef>
-              <a:spcAft>
-                <a:spcPts val="0"/>
-              </a:spcAft>
-              <a:buClr>
-                <a:schemeClr val="dk1"/>
-              </a:buClr>
-              <a:buSzPts val="2800"/>
-              <a:buFont typeface="Arial"/>
-              <a:buNone/>
-            </a:pPr>
-            <a:r>
-              <a:rPr lang="fr" sz="2000">
-                <a:solidFill>
-                  <a:srgbClr val="4B5258"/>
-                </a:solidFill>
-                <a:latin typeface="Inter"/>
-                <a:ea typeface="Inter"/>
-                <a:cs typeface="Inter"/>
-                <a:sym typeface="Inter"/>
-              </a:rPr>
-              <a:t>Démonstration</a:t>
-            </a:r>
-            <a:endParaRPr b="0" i="0" sz="2000" u="none" cap="none" strike="noStrike">
-              <a:solidFill>
-                <a:srgbClr val="4B5258"/>
-              </a:solidFill>
-              <a:latin typeface="Inter"/>
-              <a:ea typeface="Inter"/>
-              <a:cs typeface="Inter"/>
-              <a:sym typeface="Inter"/>
-            </a:endParaRPr>
-          </a:p>
-        </p:txBody>
-      </p:sp>
-      <p:sp>
-        <p:nvSpPr>
           <p:cNvPr id="369" name="Google Shape;369;g10912a73fb9_0_202"/>
           <p:cNvSpPr/>
           <p:nvPr/>
         </p:nvSpPr>
         <p:spPr>
           <a:xfrm rot="-355994">
-            <a:off x="4203720" y="2448088"/>
+            <a:off x="4203720" y="1914988"/>
             <a:ext cx="261199" cy="46747"/>
           </a:xfrm>
           <a:prstGeom prst="roundRect">
@@ -25091,8 +25173,8 @@
         </p:nvSpPr>
         <p:spPr>
           <a:xfrm>
-            <a:off x="4541264" y="1671800"/>
-            <a:ext cx="3086100" cy="533100"/>
+            <a:off x="4541277" y="2204900"/>
+            <a:ext cx="3624000" cy="533100"/>
           </a:xfrm>
           <a:prstGeom prst="rect">
             <a:avLst/>
@@ -25135,7 +25217,7 @@
                 <a:cs typeface="Inter"/>
                 <a:sym typeface="Inter"/>
               </a:rPr>
-              <a:t>Méthodologie</a:t>
+              <a:t>Démonstration</a:t>
             </a:r>
             <a:endParaRPr b="0" i="0" sz="2000" u="none" cap="none" strike="noStrike">
               <a:solidFill>
@@ -25152,6 +25234,67 @@
       <p:sp>
         <p:nvSpPr>
           <p:cNvPr id="371" name="Google Shape;371;g10912a73fb9_0_202"/>
+          <p:cNvSpPr/>
+          <p:nvPr/>
+        </p:nvSpPr>
+        <p:spPr>
+          <a:xfrm rot="-355994">
+            <a:off x="4203720" y="2448088"/>
+            <a:ext cx="261199" cy="46747"/>
+          </a:xfrm>
+          <a:prstGeom prst="roundRect">
+            <a:avLst>
+              <a:gd fmla="val 50000" name="adj"/>
+            </a:avLst>
+          </a:prstGeom>
+          <a:solidFill>
+            <a:srgbClr val="C3FFFC"/>
+          </a:solidFill>
+          <a:ln>
+            <a:noFill/>
+          </a:ln>
+        </p:spPr>
+        <p:txBody>
+          <a:bodyPr anchorCtr="0" anchor="ctr" bIns="91425" lIns="91425" spcFirstLastPara="1" rIns="91425" wrap="square" tIns="91425">
+            <a:noAutofit/>
+          </a:bodyPr>
+          <a:lstStyle/>
+          <a:p>
+            <a:pPr indent="0" lvl="0" marL="0" marR="0" rtl="0" algn="l">
+              <a:lnSpc>
+                <a:spcPct val="100000"/>
+              </a:lnSpc>
+              <a:spcBef>
+                <a:spcPts val="0"/>
+              </a:spcBef>
+              <a:spcAft>
+                <a:spcPts val="0"/>
+              </a:spcAft>
+              <a:buClr>
+                <a:srgbClr val="000000"/>
+              </a:buClr>
+              <a:buSzPts val="1400"/>
+              <a:buFont typeface="Arial"/>
+              <a:buNone/>
+            </a:pPr>
+            <a:r>
+              <a:t/>
+            </a:r>
+            <a:endParaRPr b="0" i="0" sz="1400" u="none" cap="none" strike="noStrike">
+              <a:solidFill>
+                <a:srgbClr val="000000"/>
+              </a:solidFill>
+              <a:latin typeface="Arial"/>
+              <a:ea typeface="Arial"/>
+              <a:cs typeface="Arial"/>
+              <a:sym typeface="Arial"/>
+            </a:endParaRPr>
+          </a:p>
+        </p:txBody>
+      </p:sp>
+      <p:sp>
+        <p:nvSpPr>
+          <p:cNvPr id="372" name="Google Shape;372;g10912a73fb9_0_202"/>
           <p:cNvSpPr txBox="1"/>
           <p:nvPr>
             <p:ph idx="4294967295" type="ctrTitle"/>
@@ -25159,8 +25302,8 @@
         </p:nvSpPr>
         <p:spPr>
           <a:xfrm>
-            <a:off x="4541276" y="1138700"/>
-            <a:ext cx="3335400" cy="533100"/>
+            <a:off x="4541264" y="1671800"/>
+            <a:ext cx="3086100" cy="533100"/>
           </a:xfrm>
           <a:prstGeom prst="rect">
             <a:avLst/>
@@ -25203,7 +25346,7 @@
                 <a:cs typeface="Inter"/>
                 <a:sym typeface="Inter"/>
               </a:rPr>
-              <a:t>Contexte</a:t>
+              <a:t>Méthodologie</a:t>
             </a:r>
             <a:endParaRPr b="0" i="0" sz="2000" u="none" cap="none" strike="noStrike">
               <a:solidFill>
@@ -25214,54 +25357,6 @@
               <a:cs typeface="Inter"/>
               <a:sym typeface="Inter"/>
             </a:endParaRPr>
-          </a:p>
-        </p:txBody>
-      </p:sp>
-      <p:sp>
-        <p:nvSpPr>
-          <p:cNvPr id="372" name="Google Shape;372;g10912a73fb9_0_202"/>
-          <p:cNvSpPr txBox="1"/>
-          <p:nvPr>
-            <p:ph idx="12" type="sldNum"/>
-          </p:nvPr>
-        </p:nvSpPr>
-        <p:spPr>
-          <a:xfrm>
-            <a:off x="8472458" y="4663217"/>
-            <a:ext cx="548700" cy="393600"/>
-          </a:xfrm>
-          <a:prstGeom prst="rect">
-            <a:avLst/>
-          </a:prstGeom>
-          <a:noFill/>
-          <a:ln>
-            <a:noFill/>
-          </a:ln>
-        </p:spPr>
-        <p:txBody>
-          <a:bodyPr anchorCtr="0" anchor="ctr" bIns="91425" lIns="91425" spcFirstLastPara="1" rIns="91425" wrap="square" tIns="91425">
-            <a:noAutofit/>
-          </a:bodyPr>
-          <a:lstStyle/>
-          <a:p>
-            <a:pPr indent="0" lvl="0" marL="0" rtl="0" algn="r">
-              <a:lnSpc>
-                <a:spcPct val="100000"/>
-              </a:lnSpc>
-              <a:spcBef>
-                <a:spcPts val="0"/>
-              </a:spcBef>
-              <a:spcAft>
-                <a:spcPts val="0"/>
-              </a:spcAft>
-              <a:buSzPts val="1000"/>
-              <a:buNone/>
-            </a:pPr>
-            <a:fld id="{00000000-1234-1234-1234-123412341234}" type="slidenum">
-              <a:rPr lang="fr"/>
-              <a:t>‹#›</a:t>
-            </a:fld>
-            <a:endParaRPr/>
           </a:p>
         </p:txBody>
       </p:sp>
@@ -25275,8 +25370,8 @@
         </p:nvSpPr>
         <p:spPr>
           <a:xfrm>
-            <a:off x="4541277" y="2738000"/>
-            <a:ext cx="3624000" cy="533100"/>
+            <a:off x="4541276" y="1138700"/>
+            <a:ext cx="3335400" cy="533100"/>
           </a:xfrm>
           <a:prstGeom prst="rect">
             <a:avLst/>
@@ -25319,7 +25414,7 @@
                 <a:cs typeface="Inter"/>
                 <a:sym typeface="Inter"/>
               </a:rPr>
-              <a:t>Livrables</a:t>
+              <a:t>Contexte</a:t>
             </a:r>
             <a:endParaRPr b="0" i="0" sz="2000" u="none" cap="none" strike="noStrike">
               <a:solidFill>
@@ -25336,6 +25431,122 @@
       <p:sp>
         <p:nvSpPr>
           <p:cNvPr id="374" name="Google Shape;374;g10912a73fb9_0_202"/>
+          <p:cNvSpPr txBox="1"/>
+          <p:nvPr>
+            <p:ph idx="12" type="sldNum"/>
+          </p:nvPr>
+        </p:nvSpPr>
+        <p:spPr>
+          <a:xfrm>
+            <a:off x="8472458" y="4663217"/>
+            <a:ext cx="548700" cy="393600"/>
+          </a:xfrm>
+          <a:prstGeom prst="rect">
+            <a:avLst/>
+          </a:prstGeom>
+          <a:noFill/>
+          <a:ln>
+            <a:noFill/>
+          </a:ln>
+        </p:spPr>
+        <p:txBody>
+          <a:bodyPr anchorCtr="0" anchor="ctr" bIns="91425" lIns="91425" spcFirstLastPara="1" rIns="91425" wrap="square" tIns="91425">
+            <a:noAutofit/>
+          </a:bodyPr>
+          <a:lstStyle/>
+          <a:p>
+            <a:pPr indent="0" lvl="0" marL="0" rtl="0" algn="r">
+              <a:lnSpc>
+                <a:spcPct val="100000"/>
+              </a:lnSpc>
+              <a:spcBef>
+                <a:spcPts val="0"/>
+              </a:spcBef>
+              <a:spcAft>
+                <a:spcPts val="0"/>
+              </a:spcAft>
+              <a:buSzPts val="1000"/>
+              <a:buNone/>
+            </a:pPr>
+            <a:fld id="{00000000-1234-1234-1234-123412341234}" type="slidenum">
+              <a:rPr lang="fr"/>
+              <a:t>‹#›</a:t>
+            </a:fld>
+            <a:endParaRPr/>
+          </a:p>
+        </p:txBody>
+      </p:sp>
+      <p:sp>
+        <p:nvSpPr>
+          <p:cNvPr id="375" name="Google Shape;375;g10912a73fb9_0_202"/>
+          <p:cNvSpPr txBox="1"/>
+          <p:nvPr>
+            <p:ph idx="4294967295" type="ctrTitle"/>
+          </p:nvPr>
+        </p:nvSpPr>
+        <p:spPr>
+          <a:xfrm>
+            <a:off x="4541277" y="2738000"/>
+            <a:ext cx="3624000" cy="533100"/>
+          </a:xfrm>
+          <a:prstGeom prst="rect">
+            <a:avLst/>
+          </a:prstGeom>
+          <a:noFill/>
+          <a:ln>
+            <a:noFill/>
+          </a:ln>
+        </p:spPr>
+        <p:txBody>
+          <a:bodyPr anchorCtr="0" anchor="t" bIns="91425" lIns="91425" spcFirstLastPara="1" rIns="91425" wrap="square" tIns="91425">
+            <a:noAutofit/>
+          </a:bodyPr>
+          <a:lstStyle/>
+          <a:p>
+            <a:pPr indent="0" lvl="0" marL="0" marR="0" rtl="0" algn="l">
+              <a:lnSpc>
+                <a:spcPct val="100000"/>
+              </a:lnSpc>
+              <a:spcBef>
+                <a:spcPts val="0"/>
+              </a:spcBef>
+              <a:spcAft>
+                <a:spcPts val="0"/>
+              </a:spcAft>
+              <a:buClr>
+                <a:schemeClr val="dk1"/>
+              </a:buClr>
+              <a:buSzPts val="2800"/>
+              <a:buFont typeface="Arial"/>
+              <a:buNone/>
+            </a:pPr>
+            <a:r>
+              <a:rPr lang="fr" sz="2000">
+                <a:solidFill>
+                  <a:srgbClr val="4B5258"/>
+                </a:solidFill>
+                <a:latin typeface="Inter"/>
+                <a:ea typeface="Inter"/>
+                <a:cs typeface="Inter"/>
+                <a:sym typeface="Inter"/>
+              </a:rPr>
+              <a:t>Livrables</a:t>
+            </a:r>
+            <a:endParaRPr b="0" i="0" sz="2000" u="none" cap="none" strike="noStrike">
+              <a:solidFill>
+                <a:srgbClr val="4B5258"/>
+              </a:solidFill>
+              <a:latin typeface="Inter"/>
+              <a:ea typeface="Inter"/>
+              <a:cs typeface="Inter"/>
+              <a:sym typeface="Inter"/>
+            </a:endParaRPr>
+          </a:p>
+        </p:txBody>
+      </p:sp>
+      <p:sp>
+        <p:nvSpPr>
+          <p:cNvPr id="376" name="Google Shape;376;g10912a73fb9_0_202"/>
           <p:cNvSpPr/>
           <p:nvPr/>
         </p:nvSpPr>
@@ -25407,7 +25618,7 @@
   <p:cSld>
     <p:spTree>
       <p:nvGrpSpPr>
-        <p:cNvPr id="378" name="Shape 378"/>
+        <p:cNvPr id="380" name="Shape 380"/>
         <p:cNvGrpSpPr/>
         <p:nvPr/>
       </p:nvGrpSpPr>
@@ -25421,7 +25632,7 @@
       </p:grpSpPr>
       <p:sp>
         <p:nvSpPr>
-          <p:cNvPr id="379" name="Google Shape;379;g10912a73fb9_0_345"/>
+          <p:cNvPr id="381" name="Google Shape;381;g10912a73fb9_0_345"/>
           <p:cNvSpPr txBox="1"/>
           <p:nvPr>
             <p:ph idx="4294967295" type="ctrTitle"/>
@@ -25489,7 +25700,7 @@
       </p:sp>
       <p:pic>
         <p:nvPicPr>
-          <p:cNvPr id="380" name="Google Shape;380;g10912a73fb9_0_345"/>
+          <p:cNvPr id="382" name="Google Shape;382;g10912a73fb9_0_345"/>
           <p:cNvPicPr preferRelativeResize="0"/>
           <p:nvPr/>
         </p:nvPicPr>
@@ -25516,7 +25727,7 @@
       </p:pic>
       <p:sp>
         <p:nvSpPr>
-          <p:cNvPr id="381" name="Google Shape;381;g10912a73fb9_0_345"/>
+          <p:cNvPr id="383" name="Google Shape;383;g10912a73fb9_0_345"/>
           <p:cNvSpPr/>
           <p:nvPr/>
         </p:nvSpPr>
@@ -25575,7 +25786,7 @@
       </p:sp>
       <p:sp>
         <p:nvSpPr>
-          <p:cNvPr id="382" name="Google Shape;382;g10912a73fb9_0_345"/>
+          <p:cNvPr id="384" name="Google Shape;384;g10912a73fb9_0_345"/>
           <p:cNvSpPr txBox="1"/>
           <p:nvPr>
             <p:ph idx="12" type="sldNum"/>
@@ -25623,7 +25834,7 @@
       </p:sp>
       <p:sp>
         <p:nvSpPr>
-          <p:cNvPr id="383" name="Google Shape;383;g10912a73fb9_0_345"/>
+          <p:cNvPr id="385" name="Google Shape;385;g10912a73fb9_0_345"/>
           <p:cNvSpPr txBox="1"/>
           <p:nvPr>
             <p:ph idx="4294967295" type="ctrTitle"/>
@@ -25703,7 +25914,7 @@
       </p:sp>
       <p:sp>
         <p:nvSpPr>
-          <p:cNvPr id="384" name="Google Shape;384;g10912a73fb9_0_345"/>
+          <p:cNvPr id="386" name="Google Shape;386;g10912a73fb9_0_345"/>
           <p:cNvSpPr txBox="1"/>
           <p:nvPr/>
         </p:nvSpPr>
@@ -26525,7 +26736,7 @@
   <p:cSld>
     <p:spTree>
       <p:nvGrpSpPr>
-        <p:cNvPr id="388" name="Shape 388"/>
+        <p:cNvPr id="390" name="Shape 390"/>
         <p:cNvGrpSpPr/>
         <p:nvPr/>
       </p:nvGrpSpPr>
@@ -26539,7 +26750,7 @@
       </p:grpSpPr>
       <p:sp>
         <p:nvSpPr>
-          <p:cNvPr id="389" name="Google Shape;389;g10912a73fb9_0_226"/>
+          <p:cNvPr id="391" name="Google Shape;391;g10912a73fb9_0_226"/>
           <p:cNvSpPr txBox="1"/>
           <p:nvPr>
             <p:ph idx="4294967295" type="ctrTitle"/>
@@ -26607,7 +26818,7 @@
       </p:sp>
       <p:pic>
         <p:nvPicPr>
-          <p:cNvPr id="390" name="Google Shape;390;g10912a73fb9_0_226"/>
+          <p:cNvPr id="392" name="Google Shape;392;g10912a73fb9_0_226"/>
           <p:cNvPicPr preferRelativeResize="0"/>
           <p:nvPr/>
         </p:nvPicPr>
@@ -26634,7 +26845,7 @@
       </p:pic>
       <p:sp>
         <p:nvSpPr>
-          <p:cNvPr id="391" name="Google Shape;391;g10912a73fb9_0_226"/>
+          <p:cNvPr id="393" name="Google Shape;393;g10912a73fb9_0_226"/>
           <p:cNvSpPr/>
           <p:nvPr/>
         </p:nvSpPr>
@@ -26693,7 +26904,7 @@
       </p:sp>
       <p:sp>
         <p:nvSpPr>
-          <p:cNvPr id="392" name="Google Shape;392;g10912a73fb9_0_226"/>
+          <p:cNvPr id="394" name="Google Shape;394;g10912a73fb9_0_226"/>
           <p:cNvSpPr txBox="1"/>
           <p:nvPr>
             <p:ph idx="12" type="sldNum"/>
@@ -26741,7 +26952,7 @@
       </p:sp>
       <p:sp>
         <p:nvSpPr>
-          <p:cNvPr id="393" name="Google Shape;393;g10912a73fb9_0_226"/>
+          <p:cNvPr id="395" name="Google Shape;395;g10912a73fb9_0_226"/>
           <p:cNvSpPr txBox="1"/>
           <p:nvPr/>
         </p:nvSpPr>
@@ -26823,7 +27034,7 @@
       </p:sp>
       <p:sp>
         <p:nvSpPr>
-          <p:cNvPr id="394" name="Google Shape;394;g10912a73fb9_0_226"/>
+          <p:cNvPr id="396" name="Google Shape;396;g10912a73fb9_0_226"/>
           <p:cNvSpPr txBox="1"/>
           <p:nvPr/>
         </p:nvSpPr>
@@ -26917,7 +27128,7 @@
       </p:sp>
       <p:cxnSp>
         <p:nvCxnSpPr>
-          <p:cNvPr id="395" name="Google Shape;395;g10912a73fb9_0_226"/>
+          <p:cNvPr id="397" name="Google Shape;397;g10912a73fb9_0_226"/>
           <p:cNvCxnSpPr/>
           <p:nvPr/>
         </p:nvCxnSpPr>
@@ -26943,7 +27154,7 @@
       </p:cxnSp>
       <p:sp>
         <p:nvSpPr>
-          <p:cNvPr id="396" name="Google Shape;396;g10912a73fb9_0_226"/>
+          <p:cNvPr id="398" name="Google Shape;398;g10912a73fb9_0_226"/>
           <p:cNvSpPr txBox="1"/>
           <p:nvPr/>
         </p:nvSpPr>
@@ -27033,7 +27244,7 @@
       </p:sp>
       <p:cxnSp>
         <p:nvCxnSpPr>
-          <p:cNvPr id="397" name="Google Shape;397;g10912a73fb9_0_226"/>
+          <p:cNvPr id="399" name="Google Shape;399;g10912a73fb9_0_226"/>
           <p:cNvCxnSpPr/>
           <p:nvPr/>
         </p:nvCxnSpPr>
@@ -27059,7 +27270,7 @@
       </p:cxnSp>
       <p:cxnSp>
         <p:nvCxnSpPr>
-          <p:cNvPr id="398" name="Google Shape;398;g10912a73fb9_0_226"/>
+          <p:cNvPr id="400" name="Google Shape;400;g10912a73fb9_0_226"/>
           <p:cNvCxnSpPr/>
           <p:nvPr/>
         </p:nvCxnSpPr>
@@ -27085,7 +27296,7 @@
       </p:cxnSp>
       <p:cxnSp>
         <p:nvCxnSpPr>
-          <p:cNvPr id="399" name="Google Shape;399;g10912a73fb9_0_226"/>
+          <p:cNvPr id="401" name="Google Shape;401;g10912a73fb9_0_226"/>
           <p:cNvCxnSpPr/>
           <p:nvPr/>
         </p:nvCxnSpPr>
@@ -27111,7 +27322,7 @@
       </p:cxnSp>
       <p:sp>
         <p:nvSpPr>
-          <p:cNvPr id="400" name="Google Shape;400;g10912a73fb9_0_226"/>
+          <p:cNvPr id="402" name="Google Shape;402;g10912a73fb9_0_226"/>
           <p:cNvSpPr txBox="1"/>
           <p:nvPr/>
         </p:nvSpPr>
@@ -27201,7 +27412,7 @@
       </p:sp>
       <p:cxnSp>
         <p:nvCxnSpPr>
-          <p:cNvPr id="401" name="Google Shape;401;g10912a73fb9_0_226"/>
+          <p:cNvPr id="403" name="Google Shape;403;g10912a73fb9_0_226"/>
           <p:cNvCxnSpPr/>
           <p:nvPr/>
         </p:nvCxnSpPr>
@@ -27227,7 +27438,7 @@
       </p:cxnSp>
       <p:sp>
         <p:nvSpPr>
-          <p:cNvPr id="402" name="Google Shape;402;g10912a73fb9_0_226"/>
+          <p:cNvPr id="404" name="Google Shape;404;g10912a73fb9_0_226"/>
           <p:cNvSpPr txBox="1"/>
           <p:nvPr/>
         </p:nvSpPr>
@@ -27317,7 +27528,7 @@
       </p:sp>
       <p:cxnSp>
         <p:nvCxnSpPr>
-          <p:cNvPr id="403" name="Google Shape;403;g10912a73fb9_0_226"/>
+          <p:cNvPr id="405" name="Google Shape;405;g10912a73fb9_0_226"/>
           <p:cNvCxnSpPr/>
           <p:nvPr/>
         </p:nvCxnSpPr>
@@ -27343,7 +27554,7 @@
       </p:cxnSp>
       <p:sp>
         <p:nvSpPr>
-          <p:cNvPr id="404" name="Google Shape;404;g10912a73fb9_0_226"/>
+          <p:cNvPr id="406" name="Google Shape;406;g10912a73fb9_0_226"/>
           <p:cNvSpPr txBox="1"/>
           <p:nvPr/>
         </p:nvSpPr>
@@ -27433,7 +27644,7 @@
       </p:sp>
       <p:cxnSp>
         <p:nvCxnSpPr>
-          <p:cNvPr id="405" name="Google Shape;405;g10912a73fb9_0_226"/>
+          <p:cNvPr id="407" name="Google Shape;407;g10912a73fb9_0_226"/>
           <p:cNvCxnSpPr/>
           <p:nvPr/>
         </p:nvCxnSpPr>
@@ -27459,7 +27670,7 @@
       </p:cxnSp>
       <p:cxnSp>
         <p:nvCxnSpPr>
-          <p:cNvPr id="406" name="Google Shape;406;g10912a73fb9_0_226"/>
+          <p:cNvPr id="408" name="Google Shape;408;g10912a73fb9_0_226"/>
           <p:cNvCxnSpPr/>
           <p:nvPr/>
         </p:nvCxnSpPr>
@@ -27496,7 +27707,7 @@
   <p:cSld>
     <p:spTree>
       <p:nvGrpSpPr>
-        <p:cNvPr id="410" name="Shape 410"/>
+        <p:cNvPr id="412" name="Shape 412"/>
         <p:cNvGrpSpPr/>
         <p:nvPr/>
       </p:nvGrpSpPr>
@@ -27510,7 +27721,7 @@
       </p:grpSpPr>
       <p:pic>
         <p:nvPicPr>
-          <p:cNvPr id="411" name="Google Shape;411;g10912a73fb9_0_235"/>
+          <p:cNvPr id="413" name="Google Shape;413;g10912a73fb9_0_235"/>
           <p:cNvPicPr preferRelativeResize="0"/>
           <p:nvPr/>
         </p:nvPicPr>
@@ -27537,7 +27748,7 @@
       </p:pic>
       <p:sp>
         <p:nvSpPr>
-          <p:cNvPr id="412" name="Google Shape;412;g10912a73fb9_0_235"/>
+          <p:cNvPr id="414" name="Google Shape;414;g10912a73fb9_0_235"/>
           <p:cNvSpPr txBox="1"/>
           <p:nvPr>
             <p:ph idx="4294967295" type="ctrTitle"/>
@@ -27605,7 +27816,7 @@
       </p:sp>
       <p:sp>
         <p:nvSpPr>
-          <p:cNvPr id="413" name="Google Shape;413;g10912a73fb9_0_235"/>
+          <p:cNvPr id="415" name="Google Shape;415;g10912a73fb9_0_235"/>
           <p:cNvSpPr/>
           <p:nvPr/>
         </p:nvSpPr>
@@ -27664,7 +27875,7 @@
       </p:sp>
       <p:sp>
         <p:nvSpPr>
-          <p:cNvPr id="414" name="Google Shape;414;g10912a73fb9_0_235"/>
+          <p:cNvPr id="416" name="Google Shape;416;g10912a73fb9_0_235"/>
           <p:cNvSpPr txBox="1"/>
           <p:nvPr>
             <p:ph idx="12" type="sldNum"/>
@@ -27712,7 +27923,7 @@
       </p:sp>
       <p:pic>
         <p:nvPicPr>
-          <p:cNvPr id="415" name="Google Shape;415;g10912a73fb9_0_235"/>
+          <p:cNvPr id="417" name="Google Shape;417;g10912a73fb9_0_235"/>
           <p:cNvPicPr preferRelativeResize="0"/>
           <p:nvPr/>
         </p:nvPicPr>
@@ -27751,7 +27962,7 @@
   <p:cSld>
     <p:spTree>
       <p:nvGrpSpPr>
-        <p:cNvPr id="419" name="Shape 419"/>
+        <p:cNvPr id="421" name="Shape 421"/>
         <p:cNvGrpSpPr/>
         <p:nvPr/>
       </p:nvGrpSpPr>
@@ -27765,7 +27976,7 @@
       </p:grpSpPr>
       <p:sp>
         <p:nvSpPr>
-          <p:cNvPr id="420" name="Google Shape;420;g10912a73fb9_0_242"/>
+          <p:cNvPr id="422" name="Google Shape;422;g10912a73fb9_0_242"/>
           <p:cNvSpPr txBox="1"/>
           <p:nvPr>
             <p:ph idx="4294967295" type="ctrTitle"/>
@@ -27833,7 +28044,7 @@
       </p:sp>
       <p:pic>
         <p:nvPicPr>
-          <p:cNvPr id="421" name="Google Shape;421;g10912a73fb9_0_242"/>
+          <p:cNvPr id="423" name="Google Shape;423;g10912a73fb9_0_242"/>
           <p:cNvPicPr preferRelativeResize="0"/>
           <p:nvPr/>
         </p:nvPicPr>
@@ -27860,7 +28071,7 @@
       </p:pic>
       <p:sp>
         <p:nvSpPr>
-          <p:cNvPr id="422" name="Google Shape;422;g10912a73fb9_0_242"/>
+          <p:cNvPr id="424" name="Google Shape;424;g10912a73fb9_0_242"/>
           <p:cNvSpPr/>
           <p:nvPr/>
         </p:nvSpPr>
@@ -27919,7 +28130,7 @@
       </p:sp>
       <p:sp>
         <p:nvSpPr>
-          <p:cNvPr id="423" name="Google Shape;423;g10912a73fb9_0_242"/>
+          <p:cNvPr id="425" name="Google Shape;425;g10912a73fb9_0_242"/>
           <p:cNvSpPr txBox="1"/>
           <p:nvPr>
             <p:ph idx="4294967295" type="ctrTitle"/>
@@ -27982,122 +28193,6 @@
               <a:cs typeface="Inter"/>
               <a:sym typeface="Inter"/>
             </a:endParaRPr>
-          </a:p>
-        </p:txBody>
-      </p:sp>
-      <p:sp>
-        <p:nvSpPr>
-          <p:cNvPr id="424" name="Google Shape;424;g10912a73fb9_0_242"/>
-          <p:cNvSpPr txBox="1"/>
-          <p:nvPr>
-            <p:ph idx="4294967295" type="ctrTitle"/>
-          </p:nvPr>
-        </p:nvSpPr>
-        <p:spPr>
-          <a:xfrm>
-            <a:off x="1219842" y="1284325"/>
-            <a:ext cx="826200" cy="533100"/>
-          </a:xfrm>
-          <a:prstGeom prst="rect">
-            <a:avLst/>
-          </a:prstGeom>
-          <a:noFill/>
-          <a:ln>
-            <a:noFill/>
-          </a:ln>
-        </p:spPr>
-        <p:txBody>
-          <a:bodyPr anchorCtr="0" anchor="t" bIns="91425" lIns="91425" spcFirstLastPara="1" rIns="91425" wrap="square" tIns="91425">
-            <a:noAutofit/>
-          </a:bodyPr>
-          <a:lstStyle/>
-          <a:p>
-            <a:pPr indent="0" lvl="0" marL="0" marR="0" rtl="0" algn="l">
-              <a:lnSpc>
-                <a:spcPct val="100000"/>
-              </a:lnSpc>
-              <a:spcBef>
-                <a:spcPts val="0"/>
-              </a:spcBef>
-              <a:spcAft>
-                <a:spcPts val="0"/>
-              </a:spcAft>
-              <a:buClr>
-                <a:schemeClr val="dk1"/>
-              </a:buClr>
-              <a:buSzPts val="2800"/>
-              <a:buFont typeface="Arial"/>
-              <a:buNone/>
-            </a:pPr>
-            <a:r>
-              <a:rPr lang="fr" sz="2000">
-                <a:solidFill>
-                  <a:srgbClr val="4B5258"/>
-                </a:solidFill>
-                <a:latin typeface="Inter"/>
-                <a:ea typeface="Inter"/>
-                <a:cs typeface="Inter"/>
-                <a:sym typeface="Inter"/>
-              </a:rPr>
-              <a:t>API</a:t>
-            </a:r>
-            <a:endParaRPr b="0" i="0" sz="2000" u="none" cap="none" strike="noStrike">
-              <a:solidFill>
-                <a:srgbClr val="4B5258"/>
-              </a:solidFill>
-              <a:latin typeface="Inter"/>
-              <a:ea typeface="Inter"/>
-              <a:cs typeface="Inter"/>
-              <a:sym typeface="Inter"/>
-            </a:endParaRPr>
-          </a:p>
-        </p:txBody>
-      </p:sp>
-      <p:sp>
-        <p:nvSpPr>
-          <p:cNvPr id="425" name="Google Shape;425;g10912a73fb9_0_242"/>
-          <p:cNvSpPr txBox="1"/>
-          <p:nvPr>
-            <p:ph idx="12" type="sldNum"/>
-          </p:nvPr>
-        </p:nvSpPr>
-        <p:spPr>
-          <a:xfrm>
-            <a:off x="8472458" y="4663217"/>
-            <a:ext cx="548700" cy="393600"/>
-          </a:xfrm>
-          <a:prstGeom prst="rect">
-            <a:avLst/>
-          </a:prstGeom>
-          <a:noFill/>
-          <a:ln>
-            <a:noFill/>
-          </a:ln>
-        </p:spPr>
-        <p:txBody>
-          <a:bodyPr anchorCtr="0" anchor="ctr" bIns="91425" lIns="91425" spcFirstLastPara="1" rIns="91425" wrap="square" tIns="91425">
-            <a:noAutofit/>
-          </a:bodyPr>
-          <a:lstStyle/>
-          <a:p>
-            <a:pPr indent="0" lvl="0" marL="0" rtl="0" algn="r">
-              <a:lnSpc>
-                <a:spcPct val="100000"/>
-              </a:lnSpc>
-              <a:spcBef>
-                <a:spcPts val="0"/>
-              </a:spcBef>
-              <a:spcAft>
-                <a:spcPts val="0"/>
-              </a:spcAft>
-              <a:buSzPts val="1000"/>
-              <a:buNone/>
-            </a:pPr>
-            <a:fld id="{00000000-1234-1234-1234-123412341234}" type="slidenum">
-              <a:rPr lang="fr"/>
-              <a:t>‹#›</a:t>
-            </a:fld>
-            <a:endParaRPr/>
           </a:p>
         </p:txBody>
       </p:sp>
@@ -28111,6 +28206,122 @@
         </p:nvSpPr>
         <p:spPr>
           <a:xfrm>
+            <a:off x="1219842" y="1284325"/>
+            <a:ext cx="826200" cy="533100"/>
+          </a:xfrm>
+          <a:prstGeom prst="rect">
+            <a:avLst/>
+          </a:prstGeom>
+          <a:noFill/>
+          <a:ln>
+            <a:noFill/>
+          </a:ln>
+        </p:spPr>
+        <p:txBody>
+          <a:bodyPr anchorCtr="0" anchor="t" bIns="91425" lIns="91425" spcFirstLastPara="1" rIns="91425" wrap="square" tIns="91425">
+            <a:noAutofit/>
+          </a:bodyPr>
+          <a:lstStyle/>
+          <a:p>
+            <a:pPr indent="0" lvl="0" marL="0" marR="0" rtl="0" algn="l">
+              <a:lnSpc>
+                <a:spcPct val="100000"/>
+              </a:lnSpc>
+              <a:spcBef>
+                <a:spcPts val="0"/>
+              </a:spcBef>
+              <a:spcAft>
+                <a:spcPts val="0"/>
+              </a:spcAft>
+              <a:buClr>
+                <a:schemeClr val="dk1"/>
+              </a:buClr>
+              <a:buSzPts val="2800"/>
+              <a:buFont typeface="Arial"/>
+              <a:buNone/>
+            </a:pPr>
+            <a:r>
+              <a:rPr lang="fr" sz="2000">
+                <a:solidFill>
+                  <a:srgbClr val="4B5258"/>
+                </a:solidFill>
+                <a:latin typeface="Inter"/>
+                <a:ea typeface="Inter"/>
+                <a:cs typeface="Inter"/>
+                <a:sym typeface="Inter"/>
+              </a:rPr>
+              <a:t>API</a:t>
+            </a:r>
+            <a:endParaRPr b="0" i="0" sz="2000" u="none" cap="none" strike="noStrike">
+              <a:solidFill>
+                <a:srgbClr val="4B5258"/>
+              </a:solidFill>
+              <a:latin typeface="Inter"/>
+              <a:ea typeface="Inter"/>
+              <a:cs typeface="Inter"/>
+              <a:sym typeface="Inter"/>
+            </a:endParaRPr>
+          </a:p>
+        </p:txBody>
+      </p:sp>
+      <p:sp>
+        <p:nvSpPr>
+          <p:cNvPr id="427" name="Google Shape;427;g10912a73fb9_0_242"/>
+          <p:cNvSpPr txBox="1"/>
+          <p:nvPr>
+            <p:ph idx="12" type="sldNum"/>
+          </p:nvPr>
+        </p:nvSpPr>
+        <p:spPr>
+          <a:xfrm>
+            <a:off x="8472458" y="4663217"/>
+            <a:ext cx="548700" cy="393600"/>
+          </a:xfrm>
+          <a:prstGeom prst="rect">
+            <a:avLst/>
+          </a:prstGeom>
+          <a:noFill/>
+          <a:ln>
+            <a:noFill/>
+          </a:ln>
+        </p:spPr>
+        <p:txBody>
+          <a:bodyPr anchorCtr="0" anchor="ctr" bIns="91425" lIns="91425" spcFirstLastPara="1" rIns="91425" wrap="square" tIns="91425">
+            <a:noAutofit/>
+          </a:bodyPr>
+          <a:lstStyle/>
+          <a:p>
+            <a:pPr indent="0" lvl="0" marL="0" rtl="0" algn="r">
+              <a:lnSpc>
+                <a:spcPct val="100000"/>
+              </a:lnSpc>
+              <a:spcBef>
+                <a:spcPts val="0"/>
+              </a:spcBef>
+              <a:spcAft>
+                <a:spcPts val="0"/>
+              </a:spcAft>
+              <a:buSzPts val="1000"/>
+              <a:buNone/>
+            </a:pPr>
+            <a:fld id="{00000000-1234-1234-1234-123412341234}" type="slidenum">
+              <a:rPr lang="fr"/>
+              <a:t>‹#›</a:t>
+            </a:fld>
+            <a:endParaRPr/>
+          </a:p>
+        </p:txBody>
+      </p:sp>
+      <p:sp>
+        <p:nvSpPr>
+          <p:cNvPr id="428" name="Google Shape;428;g10912a73fb9_0_242"/>
+          <p:cNvSpPr txBox="1"/>
+          <p:nvPr>
+            <p:ph idx="4294967295" type="ctrTitle"/>
+          </p:nvPr>
+        </p:nvSpPr>
+        <p:spPr>
+          <a:xfrm>
             <a:off x="1543951" y="2889650"/>
             <a:ext cx="4609500" cy="533100"/>
           </a:xfrm>
@@ -28171,7 +28382,7 @@
       </p:sp>
       <p:sp>
         <p:nvSpPr>
-          <p:cNvPr id="427" name="Google Shape;427;g10912a73fb9_0_242"/>
+          <p:cNvPr id="429" name="Google Shape;429;g10912a73fb9_0_242"/>
           <p:cNvSpPr txBox="1"/>
           <p:nvPr>
             <p:ph idx="4294967295" type="ctrTitle"/>
@@ -28257,7 +28468,7 @@
     </p:bg>
     <p:spTree>
       <p:nvGrpSpPr>
-        <p:cNvPr id="431" name="Shape 431"/>
+        <p:cNvPr id="433" name="Shape 433"/>
         <p:cNvGrpSpPr/>
         <p:nvPr/>
       </p:nvGrpSpPr>
@@ -28271,7 +28482,7 @@
       </p:grpSpPr>
       <p:pic>
         <p:nvPicPr>
-          <p:cNvPr id="432" name="Google Shape;432;g10912a73fb9_0_257"/>
+          <p:cNvPr id="434" name="Google Shape;434;g10912a73fb9_0_257"/>
           <p:cNvPicPr preferRelativeResize="0"/>
           <p:nvPr/>
         </p:nvPicPr>
@@ -28298,7 +28509,7 @@
       </p:pic>
       <p:sp>
         <p:nvSpPr>
-          <p:cNvPr id="433" name="Google Shape;433;g10912a73fb9_0_257"/>
+          <p:cNvPr id="435" name="Google Shape;435;g10912a73fb9_0_257"/>
           <p:cNvSpPr txBox="1"/>
           <p:nvPr>
             <p:ph idx="12" type="sldNum"/>
@@ -28346,7 +28557,7 @@
       </p:sp>
       <p:sp>
         <p:nvSpPr>
-          <p:cNvPr id="434" name="Google Shape;434;g10912a73fb9_0_257"/>
+          <p:cNvPr id="436" name="Google Shape;436;g10912a73fb9_0_257"/>
           <p:cNvSpPr txBox="1"/>
           <p:nvPr>
             <p:ph idx="4294967295" type="ctrTitle"/>
@@ -28465,7 +28676,7 @@
   <p:cSld>
     <p:spTree>
       <p:nvGrpSpPr>
-        <p:cNvPr id="438" name="Shape 438"/>
+        <p:cNvPr id="440" name="Shape 440"/>
         <p:cNvGrpSpPr/>
         <p:nvPr/>
       </p:nvGrpSpPr>
@@ -28479,7 +28690,7 @@
       </p:grpSpPr>
       <p:sp>
         <p:nvSpPr>
-          <p:cNvPr id="439" name="Google Shape;439;g10912a73fb9_0_263"/>
+          <p:cNvPr id="441" name="Google Shape;441;g10912a73fb9_0_263"/>
           <p:cNvSpPr/>
           <p:nvPr/>
         </p:nvSpPr>
@@ -28538,7 +28749,7 @@
       </p:sp>
       <p:sp>
         <p:nvSpPr>
-          <p:cNvPr id="440" name="Google Shape;440;g10912a73fb9_0_263"/>
+          <p:cNvPr id="442" name="Google Shape;442;g10912a73fb9_0_263"/>
           <p:cNvSpPr txBox="1"/>
           <p:nvPr>
             <p:ph type="title"/>
@@ -28602,7 +28813,7 @@
       </p:sp>
       <p:pic>
         <p:nvPicPr>
-          <p:cNvPr id="441" name="Google Shape;441;g10912a73fb9_0_263"/>
+          <p:cNvPr id="443" name="Google Shape;443;g10912a73fb9_0_263"/>
           <p:cNvPicPr preferRelativeResize="0"/>
           <p:nvPr/>
         </p:nvPicPr>
@@ -28629,7 +28840,7 @@
       </p:pic>
       <p:sp>
         <p:nvSpPr>
-          <p:cNvPr id="442" name="Google Shape;442;g10912a73fb9_0_263"/>
+          <p:cNvPr id="444" name="Google Shape;444;g10912a73fb9_0_263"/>
           <p:cNvSpPr/>
           <p:nvPr/>
         </p:nvSpPr>
@@ -28690,142 +28901,13 @@
       </p:sp>
       <p:sp>
         <p:nvSpPr>
-          <p:cNvPr id="443" name="Google Shape;443;g10912a73fb9_0_263"/>
-          <p:cNvSpPr/>
-          <p:nvPr/>
-        </p:nvSpPr>
-        <p:spPr>
-          <a:xfrm rot="-355994">
-            <a:off x="4203720" y="1914988"/>
-            <a:ext cx="261199" cy="46747"/>
-          </a:xfrm>
-          <a:prstGeom prst="roundRect">
-            <a:avLst>
-              <a:gd fmla="val 50000" name="adj"/>
-            </a:avLst>
-          </a:prstGeom>
-          <a:solidFill>
-            <a:srgbClr val="C3FFFC"/>
-          </a:solidFill>
-          <a:ln>
-            <a:noFill/>
-          </a:ln>
-        </p:spPr>
-        <p:txBody>
-          <a:bodyPr anchorCtr="0" anchor="ctr" bIns="91425" lIns="91425" spcFirstLastPara="1" rIns="91425" wrap="square" tIns="91425">
-            <a:noAutofit/>
-          </a:bodyPr>
-          <a:lstStyle/>
-          <a:p>
-            <a:pPr indent="0" lvl="0" marL="0" marR="0" rtl="0" algn="l">
-              <a:lnSpc>
-                <a:spcPct val="100000"/>
-              </a:lnSpc>
-              <a:spcBef>
-                <a:spcPts val="0"/>
-              </a:spcBef>
-              <a:spcAft>
-                <a:spcPts val="0"/>
-              </a:spcAft>
-              <a:buClr>
-                <a:srgbClr val="000000"/>
-              </a:buClr>
-              <a:buSzPts val="1400"/>
-              <a:buFont typeface="Arial"/>
-              <a:buNone/>
-            </a:pPr>
-            <a:r>
-              <a:t/>
-            </a:r>
-            <a:endParaRPr b="0" i="0" sz="1400" u="none" cap="none" strike="noStrike">
-              <a:solidFill>
-                <a:srgbClr val="000000"/>
-              </a:solidFill>
-              <a:latin typeface="Arial"/>
-              <a:ea typeface="Arial"/>
-              <a:cs typeface="Arial"/>
-              <a:sym typeface="Arial"/>
-            </a:endParaRPr>
-          </a:p>
-        </p:txBody>
-      </p:sp>
-      <p:sp>
-        <p:nvSpPr>
-          <p:cNvPr id="444" name="Google Shape;444;g10912a73fb9_0_263"/>
-          <p:cNvSpPr txBox="1"/>
-          <p:nvPr>
-            <p:ph idx="4294967295" type="ctrTitle"/>
-          </p:nvPr>
-        </p:nvSpPr>
-        <p:spPr>
-          <a:xfrm>
-            <a:off x="4541277" y="2204900"/>
-            <a:ext cx="3624000" cy="533100"/>
-          </a:xfrm>
-          <a:prstGeom prst="rect">
-            <a:avLst/>
-          </a:prstGeom>
-          <a:noFill/>
-          <a:ln>
-            <a:noFill/>
-          </a:ln>
-        </p:spPr>
-        <p:txBody>
-          <a:bodyPr anchorCtr="0" anchor="t" bIns="91425" lIns="91425" spcFirstLastPara="1" rIns="91425" wrap="square" tIns="91425">
-            <a:noAutofit/>
-          </a:bodyPr>
-          <a:lstStyle/>
-          <a:p>
-            <a:pPr indent="0" lvl="0" marL="0" marR="0" rtl="0" algn="l">
-              <a:lnSpc>
-                <a:spcPct val="100000"/>
-              </a:lnSpc>
-              <a:spcBef>
-                <a:spcPts val="0"/>
-              </a:spcBef>
-              <a:spcAft>
-                <a:spcPts val="0"/>
-              </a:spcAft>
-              <a:buClr>
-                <a:schemeClr val="dk1"/>
-              </a:buClr>
-              <a:buSzPts val="2800"/>
-              <a:buFont typeface="Arial"/>
-              <a:buNone/>
-            </a:pPr>
-            <a:r>
-              <a:rPr lang="fr" sz="2000">
-                <a:solidFill>
-                  <a:srgbClr val="4B5258"/>
-                </a:solidFill>
-                <a:latin typeface="Inter"/>
-                <a:ea typeface="Inter"/>
-                <a:cs typeface="Inter"/>
-                <a:sym typeface="Inter"/>
-              </a:rPr>
-              <a:t>Démonstration</a:t>
-            </a:r>
-            <a:endParaRPr b="0" i="0" sz="2000" u="none" cap="none" strike="noStrike">
-              <a:solidFill>
-                <a:srgbClr val="4B5258"/>
-              </a:solidFill>
-              <a:latin typeface="Inter"/>
-              <a:ea typeface="Inter"/>
-              <a:cs typeface="Inter"/>
-              <a:sym typeface="Inter"/>
-            </a:endParaRPr>
-          </a:p>
-        </p:txBody>
-      </p:sp>
-      <p:sp>
-        <p:nvSpPr>
           <p:cNvPr id="445" name="Google Shape;445;g10912a73fb9_0_263"/>
           <p:cNvSpPr/>
           <p:nvPr/>
         </p:nvSpPr>
         <p:spPr>
           <a:xfrm rot="-355994">
-            <a:off x="4203720" y="2448088"/>
+            <a:off x="4203720" y="1914988"/>
             <a:ext cx="261199" cy="46747"/>
           </a:xfrm>
           <a:prstGeom prst="roundRect">
@@ -28888,8 +28970,8 @@
         </p:nvSpPr>
         <p:spPr>
           <a:xfrm>
-            <a:off x="4541264" y="1671800"/>
-            <a:ext cx="3086100" cy="533100"/>
+            <a:off x="4541277" y="2204900"/>
+            <a:ext cx="3624000" cy="533100"/>
           </a:xfrm>
           <a:prstGeom prst="rect">
             <a:avLst/>
@@ -28932,7 +29014,7 @@
                 <a:cs typeface="Inter"/>
                 <a:sym typeface="Inter"/>
               </a:rPr>
-              <a:t>Méthodologie</a:t>
+              <a:t>Démonstration</a:t>
             </a:r>
             <a:endParaRPr b="0" i="0" sz="2000" u="none" cap="none" strike="noStrike">
               <a:solidFill>
@@ -28949,6 +29031,67 @@
       <p:sp>
         <p:nvSpPr>
           <p:cNvPr id="447" name="Google Shape;447;g10912a73fb9_0_263"/>
+          <p:cNvSpPr/>
+          <p:nvPr/>
+        </p:nvSpPr>
+        <p:spPr>
+          <a:xfrm rot="-355994">
+            <a:off x="4203720" y="2448088"/>
+            <a:ext cx="261199" cy="46747"/>
+          </a:xfrm>
+          <a:prstGeom prst="roundRect">
+            <a:avLst>
+              <a:gd fmla="val 50000" name="adj"/>
+            </a:avLst>
+          </a:prstGeom>
+          <a:solidFill>
+            <a:srgbClr val="C3FFFC"/>
+          </a:solidFill>
+          <a:ln>
+            <a:noFill/>
+          </a:ln>
+        </p:spPr>
+        <p:txBody>
+          <a:bodyPr anchorCtr="0" anchor="ctr" bIns="91425" lIns="91425" spcFirstLastPara="1" rIns="91425" wrap="square" tIns="91425">
+            <a:noAutofit/>
+          </a:bodyPr>
+          <a:lstStyle/>
+          <a:p>
+            <a:pPr indent="0" lvl="0" marL="0" marR="0" rtl="0" algn="l">
+              <a:lnSpc>
+                <a:spcPct val="100000"/>
+              </a:lnSpc>
+              <a:spcBef>
+                <a:spcPts val="0"/>
+              </a:spcBef>
+              <a:spcAft>
+                <a:spcPts val="0"/>
+              </a:spcAft>
+              <a:buClr>
+                <a:srgbClr val="000000"/>
+              </a:buClr>
+              <a:buSzPts val="1400"/>
+              <a:buFont typeface="Arial"/>
+              <a:buNone/>
+            </a:pPr>
+            <a:r>
+              <a:t/>
+            </a:r>
+            <a:endParaRPr b="0" i="0" sz="1400" u="none" cap="none" strike="noStrike">
+              <a:solidFill>
+                <a:srgbClr val="000000"/>
+              </a:solidFill>
+              <a:latin typeface="Arial"/>
+              <a:ea typeface="Arial"/>
+              <a:cs typeface="Arial"/>
+              <a:sym typeface="Arial"/>
+            </a:endParaRPr>
+          </a:p>
+        </p:txBody>
+      </p:sp>
+      <p:sp>
+        <p:nvSpPr>
+          <p:cNvPr id="448" name="Google Shape;448;g10912a73fb9_0_263"/>
           <p:cNvSpPr txBox="1"/>
           <p:nvPr>
             <p:ph idx="4294967295" type="ctrTitle"/>
@@ -28956,8 +29099,8 @@
         </p:nvSpPr>
         <p:spPr>
           <a:xfrm>
-            <a:off x="4541276" y="1138700"/>
-            <a:ext cx="3335400" cy="533100"/>
+            <a:off x="4541264" y="1671800"/>
+            <a:ext cx="3086100" cy="533100"/>
           </a:xfrm>
           <a:prstGeom prst="rect">
             <a:avLst/>
@@ -29000,7 +29143,7 @@
                 <a:cs typeface="Inter"/>
                 <a:sym typeface="Inter"/>
               </a:rPr>
-              <a:t>Contexte</a:t>
+              <a:t>Méthodologie</a:t>
             </a:r>
             <a:endParaRPr b="0" i="0" sz="2000" u="none" cap="none" strike="noStrike">
               <a:solidFill>
@@ -29011,54 +29154,6 @@
               <a:cs typeface="Inter"/>
               <a:sym typeface="Inter"/>
             </a:endParaRPr>
-          </a:p>
-        </p:txBody>
-      </p:sp>
-      <p:sp>
-        <p:nvSpPr>
-          <p:cNvPr id="448" name="Google Shape;448;g10912a73fb9_0_263"/>
-          <p:cNvSpPr txBox="1"/>
-          <p:nvPr>
-            <p:ph idx="12" type="sldNum"/>
-          </p:nvPr>
-        </p:nvSpPr>
-        <p:spPr>
-          <a:xfrm>
-            <a:off x="8472458" y="4663217"/>
-            <a:ext cx="548700" cy="393600"/>
-          </a:xfrm>
-          <a:prstGeom prst="rect">
-            <a:avLst/>
-          </a:prstGeom>
-          <a:noFill/>
-          <a:ln>
-            <a:noFill/>
-          </a:ln>
-        </p:spPr>
-        <p:txBody>
-          <a:bodyPr anchorCtr="0" anchor="ctr" bIns="91425" lIns="91425" spcFirstLastPara="1" rIns="91425" wrap="square" tIns="91425">
-            <a:noAutofit/>
-          </a:bodyPr>
-          <a:lstStyle/>
-          <a:p>
-            <a:pPr indent="0" lvl="0" marL="0" rtl="0" algn="r">
-              <a:lnSpc>
-                <a:spcPct val="100000"/>
-              </a:lnSpc>
-              <a:spcBef>
-                <a:spcPts val="0"/>
-              </a:spcBef>
-              <a:spcAft>
-                <a:spcPts val="0"/>
-              </a:spcAft>
-              <a:buSzPts val="1000"/>
-              <a:buNone/>
-            </a:pPr>
-            <a:fld id="{00000000-1234-1234-1234-123412341234}" type="slidenum">
-              <a:rPr lang="fr"/>
-              <a:t>‹#›</a:t>
-            </a:fld>
-            <a:endParaRPr/>
           </a:p>
         </p:txBody>
       </p:sp>
@@ -29072,8 +29167,8 @@
         </p:nvSpPr>
         <p:spPr>
           <a:xfrm>
-            <a:off x="4541277" y="2738000"/>
-            <a:ext cx="3624000" cy="533100"/>
+            <a:off x="4541276" y="1138700"/>
+            <a:ext cx="3335400" cy="533100"/>
           </a:xfrm>
           <a:prstGeom prst="rect">
             <a:avLst/>
@@ -29116,7 +29211,7 @@
                 <a:cs typeface="Inter"/>
                 <a:sym typeface="Inter"/>
               </a:rPr>
-              <a:t>Livrables</a:t>
+              <a:t>Contexte</a:t>
             </a:r>
             <a:endParaRPr b="0" i="0" sz="2000" u="none" cap="none" strike="noStrike">
               <a:solidFill>
@@ -29133,6 +29228,122 @@
       <p:sp>
         <p:nvSpPr>
           <p:cNvPr id="450" name="Google Shape;450;g10912a73fb9_0_263"/>
+          <p:cNvSpPr txBox="1"/>
+          <p:nvPr>
+            <p:ph idx="12" type="sldNum"/>
+          </p:nvPr>
+        </p:nvSpPr>
+        <p:spPr>
+          <a:xfrm>
+            <a:off x="8472458" y="4663217"/>
+            <a:ext cx="548700" cy="393600"/>
+          </a:xfrm>
+          <a:prstGeom prst="rect">
+            <a:avLst/>
+          </a:prstGeom>
+          <a:noFill/>
+          <a:ln>
+            <a:noFill/>
+          </a:ln>
+        </p:spPr>
+        <p:txBody>
+          <a:bodyPr anchorCtr="0" anchor="ctr" bIns="91425" lIns="91425" spcFirstLastPara="1" rIns="91425" wrap="square" tIns="91425">
+            <a:noAutofit/>
+          </a:bodyPr>
+          <a:lstStyle/>
+          <a:p>
+            <a:pPr indent="0" lvl="0" marL="0" rtl="0" algn="r">
+              <a:lnSpc>
+                <a:spcPct val="100000"/>
+              </a:lnSpc>
+              <a:spcBef>
+                <a:spcPts val="0"/>
+              </a:spcBef>
+              <a:spcAft>
+                <a:spcPts val="0"/>
+              </a:spcAft>
+              <a:buSzPts val="1000"/>
+              <a:buNone/>
+            </a:pPr>
+            <a:fld id="{00000000-1234-1234-1234-123412341234}" type="slidenum">
+              <a:rPr lang="fr"/>
+              <a:t>‹#›</a:t>
+            </a:fld>
+            <a:endParaRPr/>
+          </a:p>
+        </p:txBody>
+      </p:sp>
+      <p:sp>
+        <p:nvSpPr>
+          <p:cNvPr id="451" name="Google Shape;451;g10912a73fb9_0_263"/>
+          <p:cNvSpPr txBox="1"/>
+          <p:nvPr>
+            <p:ph idx="4294967295" type="ctrTitle"/>
+          </p:nvPr>
+        </p:nvSpPr>
+        <p:spPr>
+          <a:xfrm>
+            <a:off x="4541277" y="2738000"/>
+            <a:ext cx="3624000" cy="533100"/>
+          </a:xfrm>
+          <a:prstGeom prst="rect">
+            <a:avLst/>
+          </a:prstGeom>
+          <a:noFill/>
+          <a:ln>
+            <a:noFill/>
+          </a:ln>
+        </p:spPr>
+        <p:txBody>
+          <a:bodyPr anchorCtr="0" anchor="t" bIns="91425" lIns="91425" spcFirstLastPara="1" rIns="91425" wrap="square" tIns="91425">
+            <a:noAutofit/>
+          </a:bodyPr>
+          <a:lstStyle/>
+          <a:p>
+            <a:pPr indent="0" lvl="0" marL="0" marR="0" rtl="0" algn="l">
+              <a:lnSpc>
+                <a:spcPct val="100000"/>
+              </a:lnSpc>
+              <a:spcBef>
+                <a:spcPts val="0"/>
+              </a:spcBef>
+              <a:spcAft>
+                <a:spcPts val="0"/>
+              </a:spcAft>
+              <a:buClr>
+                <a:schemeClr val="dk1"/>
+              </a:buClr>
+              <a:buSzPts val="2800"/>
+              <a:buFont typeface="Arial"/>
+              <a:buNone/>
+            </a:pPr>
+            <a:r>
+              <a:rPr lang="fr" sz="2000">
+                <a:solidFill>
+                  <a:srgbClr val="4B5258"/>
+                </a:solidFill>
+                <a:latin typeface="Inter"/>
+                <a:ea typeface="Inter"/>
+                <a:cs typeface="Inter"/>
+                <a:sym typeface="Inter"/>
+              </a:rPr>
+              <a:t>Livrables</a:t>
+            </a:r>
+            <a:endParaRPr b="0" i="0" sz="2000" u="none" cap="none" strike="noStrike">
+              <a:solidFill>
+                <a:srgbClr val="4B5258"/>
+              </a:solidFill>
+              <a:latin typeface="Inter"/>
+              <a:ea typeface="Inter"/>
+              <a:cs typeface="Inter"/>
+              <a:sym typeface="Inter"/>
+            </a:endParaRPr>
+          </a:p>
+        </p:txBody>
+      </p:sp>
+      <p:sp>
+        <p:nvSpPr>
+          <p:cNvPr id="452" name="Google Shape;452;g10912a73fb9_0_263"/>
           <p:cNvSpPr/>
           <p:nvPr/>
         </p:nvSpPr>
@@ -29204,7 +29415,7 @@
   <p:cSld>
     <p:spTree>
       <p:nvGrpSpPr>
-        <p:cNvPr id="454" name="Shape 454"/>
+        <p:cNvPr id="456" name="Shape 456"/>
         <p:cNvGrpSpPr/>
         <p:nvPr/>
       </p:nvGrpSpPr>
@@ -29218,7 +29429,7 @@
       </p:grpSpPr>
       <p:sp>
         <p:nvSpPr>
-          <p:cNvPr id="455" name="Google Shape;455;g10912a73fb9_0_378"/>
+          <p:cNvPr id="457" name="Google Shape;457;g10912a73fb9_0_378"/>
           <p:cNvSpPr txBox="1"/>
           <p:nvPr>
             <p:ph idx="4294967295" type="ctrTitle"/>
@@ -29286,7 +29497,7 @@
       </p:sp>
       <p:pic>
         <p:nvPicPr>
-          <p:cNvPr id="456" name="Google Shape;456;g10912a73fb9_0_378"/>
+          <p:cNvPr id="458" name="Google Shape;458;g10912a73fb9_0_378"/>
           <p:cNvPicPr preferRelativeResize="0"/>
           <p:nvPr/>
         </p:nvPicPr>
@@ -29313,7 +29524,7 @@
       </p:pic>
       <p:sp>
         <p:nvSpPr>
-          <p:cNvPr id="457" name="Google Shape;457;g10912a73fb9_0_378"/>
+          <p:cNvPr id="459" name="Google Shape;459;g10912a73fb9_0_378"/>
           <p:cNvSpPr/>
           <p:nvPr/>
         </p:nvSpPr>
@@ -29372,7 +29583,7 @@
       </p:sp>
       <p:sp>
         <p:nvSpPr>
-          <p:cNvPr id="458" name="Google Shape;458;g10912a73fb9_0_378"/>
+          <p:cNvPr id="460" name="Google Shape;460;g10912a73fb9_0_378"/>
           <p:cNvSpPr txBox="1"/>
           <p:nvPr>
             <p:ph idx="12" type="sldNum"/>
@@ -29420,7 +29631,7 @@
       </p:sp>
       <p:sp>
         <p:nvSpPr>
-          <p:cNvPr id="459" name="Google Shape;459;g10912a73fb9_0_378"/>
+          <p:cNvPr id="461" name="Google Shape;461;g10912a73fb9_0_378"/>
           <p:cNvSpPr txBox="1"/>
           <p:nvPr>
             <p:ph idx="4294967295" type="ctrTitle"/>
@@ -29500,7 +29711,7 @@
       </p:sp>
       <p:sp>
         <p:nvSpPr>
-          <p:cNvPr id="460" name="Google Shape;460;g10912a73fb9_0_378"/>
+          <p:cNvPr id="462" name="Google Shape;462;g10912a73fb9_0_378"/>
           <p:cNvSpPr txBox="1"/>
           <p:nvPr/>
         </p:nvSpPr>
@@ -29583,7 +29794,7 @@
   <p:cSld>
     <p:spTree>
       <p:nvGrpSpPr>
-        <p:cNvPr id="464" name="Shape 464"/>
+        <p:cNvPr id="466" name="Shape 466"/>
         <p:cNvGrpSpPr/>
         <p:nvPr/>
       </p:nvGrpSpPr>
@@ -29597,7 +29808,7 @@
       </p:grpSpPr>
       <p:sp>
         <p:nvSpPr>
-          <p:cNvPr id="465" name="Google Shape;465;g10912a73fb9_0_287"/>
+          <p:cNvPr id="467" name="Google Shape;467;g10912a73fb9_0_287"/>
           <p:cNvSpPr txBox="1"/>
           <p:nvPr>
             <p:ph idx="4294967295" type="ctrTitle"/>
@@ -29665,7 +29876,7 @@
       </p:sp>
       <p:pic>
         <p:nvPicPr>
-          <p:cNvPr id="466" name="Google Shape;466;g10912a73fb9_0_287"/>
+          <p:cNvPr id="468" name="Google Shape;468;g10912a73fb9_0_287"/>
           <p:cNvPicPr preferRelativeResize="0"/>
           <p:nvPr/>
         </p:nvPicPr>
@@ -29692,7 +29903,7 @@
       </p:pic>
       <p:sp>
         <p:nvSpPr>
-          <p:cNvPr id="467" name="Google Shape;467;g10912a73fb9_0_287"/>
+          <p:cNvPr id="469" name="Google Shape;469;g10912a73fb9_0_287"/>
           <p:cNvSpPr/>
           <p:nvPr/>
         </p:nvSpPr>
@@ -29751,7 +29962,7 @@
       </p:sp>
       <p:sp>
         <p:nvSpPr>
-          <p:cNvPr id="468" name="Google Shape;468;g10912a73fb9_0_287"/>
+          <p:cNvPr id="470" name="Google Shape;470;g10912a73fb9_0_287"/>
           <p:cNvSpPr txBox="1"/>
           <p:nvPr>
             <p:ph idx="12" type="sldNum"/>
@@ -29799,7 +30010,7 @@
       </p:sp>
       <p:sp>
         <p:nvSpPr>
-          <p:cNvPr id="469" name="Google Shape;469;g10912a73fb9_0_287"/>
+          <p:cNvPr id="471" name="Google Shape;471;g10912a73fb9_0_287"/>
           <p:cNvSpPr/>
           <p:nvPr/>
         </p:nvSpPr>
@@ -29858,7 +30069,7 @@
       </p:sp>
       <p:sp>
         <p:nvSpPr>
-          <p:cNvPr id="470" name="Google Shape;470;g10912a73fb9_0_287"/>
+          <p:cNvPr id="472" name="Google Shape;472;g10912a73fb9_0_287"/>
           <p:cNvSpPr/>
           <p:nvPr/>
         </p:nvSpPr>
@@ -29917,7 +30128,7 @@
       </p:sp>
       <p:sp>
         <p:nvSpPr>
-          <p:cNvPr id="471" name="Google Shape;471;g10912a73fb9_0_287"/>
+          <p:cNvPr id="473" name="Google Shape;473;g10912a73fb9_0_287"/>
           <p:cNvSpPr txBox="1"/>
           <p:nvPr/>
         </p:nvSpPr>
@@ -29989,7 +30200,7 @@
       </p:sp>
       <p:sp>
         <p:nvSpPr>
-          <p:cNvPr id="472" name="Google Shape;472;g10912a73fb9_0_287"/>
+          <p:cNvPr id="474" name="Google Shape;474;g10912a73fb9_0_287"/>
           <p:cNvSpPr txBox="1"/>
           <p:nvPr>
             <p:ph idx="4294967295" type="ctrTitle"/>
@@ -30270,7 +30481,7 @@
       </p:sp>
       <p:sp>
         <p:nvSpPr>
-          <p:cNvPr id="473" name="Google Shape;473;g10912a73fb9_0_287"/>
+          <p:cNvPr id="475" name="Google Shape;475;g10912a73fb9_0_287"/>
           <p:cNvSpPr txBox="1"/>
           <p:nvPr/>
         </p:nvSpPr>
@@ -30342,7 +30553,7 @@
       </p:sp>
       <p:sp>
         <p:nvSpPr>
-          <p:cNvPr id="474" name="Google Shape;474;g10912a73fb9_0_287"/>
+          <p:cNvPr id="476" name="Google Shape;476;g10912a73fb9_0_287"/>
           <p:cNvSpPr txBox="1"/>
           <p:nvPr>
             <p:ph idx="4294967295" type="ctrTitle"/>
@@ -30788,7 +30999,7 @@
   <p:cSld>
     <p:spTree>
       <p:nvGrpSpPr>
-        <p:cNvPr id="478" name="Shape 478"/>
+        <p:cNvPr id="480" name="Shape 480"/>
         <p:cNvGrpSpPr/>
         <p:nvPr/>
       </p:nvGrpSpPr>
@@ -30802,7 +31013,7 @@
       </p:grpSpPr>
       <p:pic>
         <p:nvPicPr>
-          <p:cNvPr id="479" name="Google Shape;479;g10912a73fb9_0_296"/>
+          <p:cNvPr id="481" name="Google Shape;481;g10912a73fb9_0_296"/>
           <p:cNvPicPr preferRelativeResize="0"/>
           <p:nvPr/>
         </p:nvPicPr>
@@ -30829,7 +31040,7 @@
       </p:pic>
       <p:sp>
         <p:nvSpPr>
-          <p:cNvPr id="480" name="Google Shape;480;g10912a73fb9_0_296"/>
+          <p:cNvPr id="482" name="Google Shape;482;g10912a73fb9_0_296"/>
           <p:cNvSpPr txBox="1"/>
           <p:nvPr>
             <p:ph idx="4294967295" type="ctrTitle"/>
@@ -30897,7 +31108,7 @@
       </p:sp>
       <p:sp>
         <p:nvSpPr>
-          <p:cNvPr id="481" name="Google Shape;481;g10912a73fb9_0_296"/>
+          <p:cNvPr id="483" name="Google Shape;483;g10912a73fb9_0_296"/>
           <p:cNvSpPr/>
           <p:nvPr/>
         </p:nvSpPr>
@@ -30956,7 +31167,7 @@
       </p:sp>
       <p:sp>
         <p:nvSpPr>
-          <p:cNvPr id="482" name="Google Shape;482;g10912a73fb9_0_296"/>
+          <p:cNvPr id="484" name="Google Shape;484;g10912a73fb9_0_296"/>
           <p:cNvSpPr txBox="1"/>
           <p:nvPr>
             <p:ph idx="12" type="sldNum"/>
@@ -31004,18 +31215,11 @@
       </p:sp>
       <p:pic>
         <p:nvPicPr>
-          <p:cNvPr id="483" name="Google Shape;483;g10912a73fb9_0_296"/>
+          <p:cNvPr id="485" name="Google Shape;485;g10912a73fb9_0_296"/>
           <p:cNvPicPr preferRelativeResize="0"/>
           <p:nvPr/>
         </p:nvPicPr>
-        <p:blipFill>
-          <a:blip r:embed="rId4">
-            <a:alphaModFix/>
-          </a:blip>
-          <a:stretch>
-            <a:fillRect/>
-          </a:stretch>
-        </p:blipFill>
+        <p:blipFill/>
         <p:spPr>
           <a:xfrm>
             <a:off x="1307750" y="1164800"/>
@@ -31043,7 +31247,7 @@
   <p:cSld>
     <p:spTree>
       <p:nvGrpSpPr>
-        <p:cNvPr id="487" name="Shape 487"/>
+        <p:cNvPr id="489" name="Shape 489"/>
         <p:cNvGrpSpPr/>
         <p:nvPr/>
       </p:nvGrpSpPr>
@@ -31057,7 +31261,7 @@
       </p:grpSpPr>
       <p:sp>
         <p:nvSpPr>
-          <p:cNvPr id="488" name="Google Shape;488;g10912a73fb9_0_303"/>
+          <p:cNvPr id="490" name="Google Shape;490;g10912a73fb9_0_303"/>
           <p:cNvSpPr txBox="1"/>
           <p:nvPr>
             <p:ph idx="4294967295" type="ctrTitle"/>
@@ -31125,7 +31329,7 @@
       </p:sp>
       <p:pic>
         <p:nvPicPr>
-          <p:cNvPr id="489" name="Google Shape;489;g10912a73fb9_0_303"/>
+          <p:cNvPr id="491" name="Google Shape;491;g10912a73fb9_0_303"/>
           <p:cNvPicPr preferRelativeResize="0"/>
           <p:nvPr/>
         </p:nvPicPr>
@@ -31152,7 +31356,7 @@
       </p:pic>
       <p:sp>
         <p:nvSpPr>
-          <p:cNvPr id="490" name="Google Shape;490;g10912a73fb9_0_303"/>
+          <p:cNvPr id="492" name="Google Shape;492;g10912a73fb9_0_303"/>
           <p:cNvSpPr/>
           <p:nvPr/>
         </p:nvSpPr>
@@ -31211,7 +31415,7 @@
       </p:sp>
       <p:sp>
         <p:nvSpPr>
-          <p:cNvPr id="491" name="Google Shape;491;g10912a73fb9_0_303"/>
+          <p:cNvPr id="493" name="Google Shape;493;g10912a73fb9_0_303"/>
           <p:cNvSpPr txBox="1"/>
           <p:nvPr>
             <p:ph idx="12" type="sldNum"/>
@@ -31259,7 +31463,7 @@
       </p:sp>
       <p:sp>
         <p:nvSpPr>
-          <p:cNvPr id="492" name="Google Shape;492;g10912a73fb9_0_303"/>
+          <p:cNvPr id="494" name="Google Shape;494;g10912a73fb9_0_303"/>
           <p:cNvSpPr txBox="1"/>
           <p:nvPr>
             <p:ph idx="4294967295" type="ctrTitle"/>
@@ -31327,7 +31531,7 @@
       </p:sp>
       <p:sp>
         <p:nvSpPr>
-          <p:cNvPr id="493" name="Google Shape;493;g10912a73fb9_0_303"/>
+          <p:cNvPr id="495" name="Google Shape;495;g10912a73fb9_0_303"/>
           <p:cNvSpPr txBox="1"/>
           <p:nvPr>
             <p:ph idx="4294967295" type="ctrTitle"/>
@@ -31413,7 +31617,7 @@
     </p:bg>
     <p:spTree>
       <p:nvGrpSpPr>
-        <p:cNvPr id="497" name="Shape 497"/>
+        <p:cNvPr id="499" name="Shape 499"/>
         <p:cNvGrpSpPr/>
         <p:nvPr/>
       </p:nvGrpSpPr>
@@ -31427,7 +31631,7 @@
       </p:grpSpPr>
       <p:sp>
         <p:nvSpPr>
-          <p:cNvPr id="498" name="Google Shape;498;p18"/>
+          <p:cNvPr id="500" name="Google Shape;500;p18"/>
           <p:cNvSpPr txBox="1"/>
           <p:nvPr>
             <p:ph idx="4294967295" type="ctrTitle"/>
@@ -31479,7 +31683,7 @@
                 <a:cs typeface="Libre Baskerville"/>
                 <a:sym typeface="Libre Baskerville"/>
               </a:rPr>
-              <a:t>“Les grandes choses se font dans un temps défini.”</a:t>
+              <a:t>“Whoops !”</a:t>
             </a:r>
             <a:endParaRPr b="0" i="0" sz="2000" u="none" cap="none" strike="noStrike">
               <a:solidFill>
@@ -31495,7 +31699,7 @@
       </p:sp>
       <p:sp>
         <p:nvSpPr>
-          <p:cNvPr id="499" name="Google Shape;499;p18"/>
+          <p:cNvPr id="501" name="Google Shape;501;p18"/>
           <p:cNvSpPr txBox="1"/>
           <p:nvPr>
             <p:ph idx="4294967295" type="ctrTitle"/>
@@ -31563,7 +31767,7 @@
       </p:sp>
       <p:pic>
         <p:nvPicPr>
-          <p:cNvPr id="500" name="Google Shape;500;p18"/>
+          <p:cNvPr id="502" name="Google Shape;502;p18"/>
           <p:cNvPicPr preferRelativeResize="0"/>
           <p:nvPr/>
         </p:nvPicPr>
@@ -31590,7 +31794,7 @@
       </p:pic>
       <p:sp>
         <p:nvSpPr>
-          <p:cNvPr id="501" name="Google Shape;501;p18"/>
+          <p:cNvPr id="503" name="Google Shape;503;p18"/>
           <p:cNvSpPr txBox="1"/>
           <p:nvPr>
             <p:ph idx="12" type="sldNum"/>
@@ -32098,7 +32302,7 @@
     </p:bg>
     <p:spTree>
       <p:nvGrpSpPr>
-        <p:cNvPr id="505" name="Shape 505"/>
+        <p:cNvPr id="507" name="Shape 507"/>
         <p:cNvGrpSpPr/>
         <p:nvPr/>
       </p:nvGrpSpPr>
@@ -32112,7 +32316,7 @@
       </p:grpSpPr>
       <p:sp>
         <p:nvSpPr>
-          <p:cNvPr id="506" name="Google Shape;506;p19"/>
+          <p:cNvPr id="508" name="Google Shape;508;p19"/>
           <p:cNvSpPr txBox="1"/>
           <p:nvPr>
             <p:ph idx="4294967295" type="ctrTitle"/>
@@ -32180,7 +32384,7 @@
       </p:sp>
       <p:pic>
         <p:nvPicPr>
-          <p:cNvPr id="507" name="Google Shape;507;p19"/>
+          <p:cNvPr id="509" name="Google Shape;509;p19"/>
           <p:cNvPicPr preferRelativeResize="0"/>
           <p:nvPr/>
         </p:nvPicPr>
@@ -32207,7 +32411,7 @@
       </p:pic>
       <p:sp>
         <p:nvSpPr>
-          <p:cNvPr id="508" name="Google Shape;508;p19"/>
+          <p:cNvPr id="510" name="Google Shape;510;p19"/>
           <p:cNvSpPr txBox="1"/>
           <p:nvPr>
             <p:ph idx="4294967295" type="ctrTitle"/>
@@ -32275,7 +32479,7 @@
       </p:sp>
       <p:pic>
         <p:nvPicPr>
-          <p:cNvPr id="509" name="Google Shape;509;p19"/>
+          <p:cNvPr id="511" name="Google Shape;511;p19"/>
           <p:cNvPicPr preferRelativeResize="0"/>
           <p:nvPr/>
         </p:nvPicPr>
@@ -32302,7 +32506,7 @@
       </p:pic>
       <p:sp>
         <p:nvSpPr>
-          <p:cNvPr id="510" name="Google Shape;510;p19"/>
+          <p:cNvPr id="512" name="Google Shape;512;p19"/>
           <p:cNvSpPr txBox="1"/>
           <p:nvPr>
             <p:ph idx="12" type="sldNum"/>
@@ -34941,6 +35145,285 @@
 </file>
 
 <file path=ppt/theme/theme1.xml><?xml version="1.0" encoding="utf-8"?>
+<a:theme xmlns:a="http://schemas.openxmlformats.org/drawingml/2006/main" xmlns:r="http://schemas.openxmlformats.org/officeDocument/2006/relationships" name="Simple Light">
+  <a:themeElements>
+    <a:clrScheme name="Simple Light">
+      <a:dk1>
+        <a:srgbClr val="000000"/>
+      </a:dk1>
+      <a:lt1>
+        <a:srgbClr val="FFFFFF"/>
+      </a:lt1>
+      <a:dk2>
+        <a:srgbClr val="595959"/>
+      </a:dk2>
+      <a:lt2>
+        <a:srgbClr val="EEEEEE"/>
+      </a:lt2>
+      <a:accent1>
+        <a:srgbClr val="FFAB40"/>
+      </a:accent1>
+      <a:accent2>
+        <a:srgbClr val="212121"/>
+      </a:accent2>
+      <a:accent3>
+        <a:srgbClr val="78909C"/>
+      </a:accent3>
+      <a:accent4>
+        <a:srgbClr val="FFAB40"/>
+      </a:accent4>
+      <a:accent5>
+        <a:srgbClr val="0097A7"/>
+      </a:accent5>
+      <a:accent6>
+        <a:srgbClr val="EEFF41"/>
+      </a:accent6>
+      <a:hlink>
+        <a:srgbClr val="0097A7"/>
+      </a:hlink>
+      <a:folHlink>
+        <a:srgbClr val="0097A7"/>
+      </a:folHlink>
+    </a:clrScheme>
+    <a:fontScheme name="Office">
+      <a:majorFont>
+        <a:latin typeface="Arial"/>
+        <a:ea typeface=""/>
+        <a:cs typeface=""/>
+        <a:font script="Jpan" typeface="ＭＳ Ｐゴシック"/>
+        <a:font script="Hang" typeface="맑은 고딕"/>
+        <a:font script="Hans" typeface="宋体"/>
+        <a:font script="Hant" typeface="新細明體"/>
+        <a:font script="Arab" typeface="Times New Roman"/>
+        <a:font script="Hebr" typeface="Times New Roman"/>
+        <a:font script="Thai" typeface="Angsana New"/>
+        <a:font script="Ethi" typeface="Nyala"/>
+        <a:font script="Beng" typeface="Vrinda"/>
+        <a:font script="Gujr" typeface="Shruti"/>
+        <a:font script="Khmr" typeface="MoolBoran"/>
+        <a:font script="Knda" typeface="Tunga"/>
+        <a:font script="Guru" typeface="Raavi"/>
+        <a:font script="Cans" typeface="Euphemia"/>
+        <a:font script="Cher" typeface="Plantagenet Cherokee"/>
+        <a:font script="Yiii" typeface="Microsoft Yi Baiti"/>
+        <a:font script="Tibt" typeface="Microsoft Himalaya"/>
+        <a:font script="Thaa" typeface="MV Boli"/>
+        <a:font script="Deva" typeface="Mangal"/>
+        <a:font script="Telu" typeface="Gautami"/>
+        <a:font script="Taml" typeface="Latha"/>
+        <a:font script="Syrc" typeface="Estrangelo Edessa"/>
+        <a:font script="Orya" typeface="Kalinga"/>
+        <a:font script="Mlym" typeface="Kartika"/>
+        <a:font script="Laoo" typeface="DokChampa"/>
+        <a:font script="Sinh" typeface="Iskoola Pota"/>
+        <a:font script="Mong" typeface="Mongolian Baiti"/>
+        <a:font script="Viet" typeface="Times New Roman"/>
+        <a:font script="Uigh" typeface="Microsoft Uighur"/>
+        <a:font script="Geor" typeface="Sylfaen"/>
+      </a:majorFont>
+      <a:minorFont>
+        <a:latin typeface="Arial"/>
+        <a:ea typeface=""/>
+        <a:cs typeface=""/>
+        <a:font script="Jpan" typeface="ＭＳ Ｐゴシック"/>
+        <a:font script="Hang" typeface="맑은 고딕"/>
+        <a:font script="Hans" typeface="宋体"/>
+        <a:font script="Hant" typeface="新細明體"/>
+        <a:font script="Arab" typeface="Arial"/>
+        <a:font script="Hebr" typeface="Arial"/>
+        <a:font script="Thai" typeface="Cordia New"/>
+        <a:font script="Ethi" typeface="Nyala"/>
+        <a:font script="Beng" typeface="Vrinda"/>
+        <a:font script="Gujr" typeface="Shruti"/>
+        <a:font script="Khmr" typeface="DaunPenh"/>
+        <a:font script="Knda" typeface="Tunga"/>
+        <a:font script="Guru" typeface="Raavi"/>
+        <a:font script="Cans" typeface="Euphemia"/>
+        <a:font script="Cher" typeface="Plantagenet Cherokee"/>
+        <a:font script="Yiii" typeface="Microsoft Yi Baiti"/>
+        <a:font script="Tibt" typeface="Microsoft Himalaya"/>
+        <a:font script="Thaa" typeface="MV Boli"/>
+        <a:font script="Deva" typeface="Mangal"/>
+        <a:font script="Telu" typeface="Gautami"/>
+        <a:font script="Taml" typeface="Latha"/>
+        <a:font script="Syrc" typeface="Estrangelo Edessa"/>
+        <a:font script="Orya" typeface="Kalinga"/>
+        <a:font script="Mlym" typeface="Kartika"/>
+        <a:font script="Laoo" typeface="DokChampa"/>
+        <a:font script="Sinh" typeface="Iskoola Pota"/>
+        <a:font script="Mong" typeface="Mongolian Baiti"/>
+        <a:font script="Viet" typeface="Arial"/>
+        <a:font script="Uigh" typeface="Microsoft Uighur"/>
+        <a:font script="Geor" typeface="Sylfaen"/>
+      </a:minorFont>
+    </a:fontScheme>
+    <a:fmtScheme name="Office">
+      <a:fillStyleLst>
+        <a:solidFill>
+          <a:schemeClr val="phClr"/>
+        </a:solidFill>
+        <a:gradFill rotWithShape="1">
+          <a:gsLst>
+            <a:gs pos="0">
+              <a:schemeClr val="phClr">
+                <a:tint val="50000"/>
+                <a:satMod val="300000"/>
+              </a:schemeClr>
+            </a:gs>
+            <a:gs pos="35000">
+              <a:schemeClr val="phClr">
+                <a:tint val="37000"/>
+                <a:satMod val="300000"/>
+              </a:schemeClr>
+            </a:gs>
+            <a:gs pos="100000">
+              <a:schemeClr val="phClr">
+                <a:tint val="15000"/>
+                <a:satMod val="350000"/>
+              </a:schemeClr>
+            </a:gs>
+          </a:gsLst>
+          <a:lin ang="16200000" scaled="1"/>
+        </a:gradFill>
+        <a:gradFill rotWithShape="1">
+          <a:gsLst>
+            <a:gs pos="0">
+              <a:schemeClr val="phClr">
+                <a:tint val="100000"/>
+                <a:shade val="100000"/>
+                <a:satMod val="130000"/>
+              </a:schemeClr>
+            </a:gs>
+            <a:gs pos="100000">
+              <a:schemeClr val="phClr">
+                <a:tint val="50000"/>
+                <a:shade val="100000"/>
+                <a:satMod val="350000"/>
+              </a:schemeClr>
+            </a:gs>
+          </a:gsLst>
+          <a:lin ang="16200000" scaled="0"/>
+        </a:gradFill>
+      </a:fillStyleLst>
+      <a:lnStyleLst>
+        <a:ln w="9525" cap="flat" cmpd="sng" algn="ctr">
+          <a:solidFill>
+            <a:schemeClr val="phClr">
+              <a:shade val="95000"/>
+              <a:satMod val="105000"/>
+            </a:schemeClr>
+          </a:solidFill>
+          <a:prstDash val="solid"/>
+        </a:ln>
+        <a:ln w="25400" cap="flat" cmpd="sng" algn="ctr">
+          <a:solidFill>
+            <a:schemeClr val="phClr"/>
+          </a:solidFill>
+          <a:prstDash val="solid"/>
+        </a:ln>
+        <a:ln w="38100" cap="flat" cmpd="sng" algn="ctr">
+          <a:solidFill>
+            <a:schemeClr val="phClr"/>
+          </a:solidFill>
+          <a:prstDash val="solid"/>
+        </a:ln>
+      </a:lnStyleLst>
+      <a:effectStyleLst>
+        <a:effectStyle>
+          <a:effectLst>
+            <a:outerShdw blurRad="40000" dist="20000" dir="5400000" rotWithShape="0">
+              <a:srgbClr val="000000">
+                <a:alpha val="38000"/>
+              </a:srgbClr>
+            </a:outerShdw>
+          </a:effectLst>
+        </a:effectStyle>
+        <a:effectStyle>
+          <a:effectLst>
+            <a:outerShdw blurRad="40000" dist="23000" dir="5400000" rotWithShape="0">
+              <a:srgbClr val="000000">
+                <a:alpha val="35000"/>
+              </a:srgbClr>
+            </a:outerShdw>
+          </a:effectLst>
+        </a:effectStyle>
+        <a:effectStyle>
+          <a:effectLst>
+            <a:outerShdw blurRad="40000" dist="23000" dir="5400000" rotWithShape="0">
+              <a:srgbClr val="000000">
+                <a:alpha val="35000"/>
+              </a:srgbClr>
+            </a:outerShdw>
+          </a:effectLst>
+          <a:scene3d>
+            <a:camera prst="orthographicFront">
+              <a:rot lat="0" lon="0" rev="0"/>
+            </a:camera>
+            <a:lightRig rig="threePt" dir="t">
+              <a:rot lat="0" lon="0" rev="1200000"/>
+            </a:lightRig>
+          </a:scene3d>
+          <a:sp3d>
+            <a:bevelT w="63500" h="25400"/>
+          </a:sp3d>
+        </a:effectStyle>
+      </a:effectStyleLst>
+      <a:bgFillStyleLst>
+        <a:solidFill>
+          <a:schemeClr val="phClr"/>
+        </a:solidFill>
+        <a:gradFill rotWithShape="1">
+          <a:gsLst>
+            <a:gs pos="0">
+              <a:schemeClr val="phClr">
+                <a:tint val="40000"/>
+                <a:satMod val="350000"/>
+              </a:schemeClr>
+            </a:gs>
+            <a:gs pos="40000">
+              <a:schemeClr val="phClr">
+                <a:tint val="45000"/>
+                <a:shade val="99000"/>
+                <a:satMod val="350000"/>
+              </a:schemeClr>
+            </a:gs>
+            <a:gs pos="100000">
+              <a:schemeClr val="phClr">
+                <a:shade val="20000"/>
+                <a:satMod val="255000"/>
+              </a:schemeClr>
+            </a:gs>
+          </a:gsLst>
+          <a:path path="circle">
+            <a:fillToRect l="50000" t="-80000" r="50000" b="180000"/>
+          </a:path>
+        </a:gradFill>
+        <a:gradFill rotWithShape="1">
+          <a:gsLst>
+            <a:gs pos="0">
+              <a:schemeClr val="phClr">
+                <a:tint val="80000"/>
+                <a:satMod val="300000"/>
+              </a:schemeClr>
+            </a:gs>
+            <a:gs pos="100000">
+              <a:schemeClr val="phClr">
+                <a:shade val="30000"/>
+                <a:satMod val="200000"/>
+              </a:schemeClr>
+            </a:gs>
+          </a:gsLst>
+          <a:path path="circle">
+            <a:fillToRect l="50000" t="50000" r="50000" b="50000"/>
+          </a:path>
+        </a:gradFill>
+      </a:bgFillStyleLst>
+    </a:fmtScheme>
+  </a:themeElements>
+</a:theme>
+</file>
+
+<file path=ppt/theme/theme2.xml><?xml version="1.0" encoding="utf-8"?>
 <a:theme xmlns:a="http://schemas.openxmlformats.org/drawingml/2006/main" xmlns:r="http://schemas.openxmlformats.org/officeDocument/2006/relationships">
   <a:themeElements>
     <a:clrScheme name="Default">
@@ -35217,283 +35700,4 @@
     </a:fmtScheme>
   </a:themeElements>
 </a:theme>
-</file>
-
-<file path=ppt/theme/theme2.xml><?xml version="1.0" encoding="utf-8"?>
-<a:theme xmlns:a="http://schemas.openxmlformats.org/drawingml/2006/main" xmlns:r="http://schemas.openxmlformats.org/officeDocument/2006/relationships" name="Simple Light">
-  <a:themeElements>
-    <a:clrScheme name="Simple Light">
-      <a:dk1>
-        <a:srgbClr val="000000"/>
-      </a:dk1>
-      <a:lt1>
-        <a:srgbClr val="FFFFFF"/>
-      </a:lt1>
-      <a:dk2>
-        <a:srgbClr val="595959"/>
-      </a:dk2>
-      <a:lt2>
-        <a:srgbClr val="EEEEEE"/>
-      </a:lt2>
-      <a:accent1>
-        <a:srgbClr val="FFAB40"/>
-      </a:accent1>
-      <a:accent2>
-        <a:srgbClr val="212121"/>
-      </a:accent2>
-      <a:accent3>
-        <a:srgbClr val="78909C"/>
-      </a:accent3>
-      <a:accent4>
-        <a:srgbClr val="FFAB40"/>
-      </a:accent4>
-      <a:accent5>
-        <a:srgbClr val="0097A7"/>
-      </a:accent5>
-      <a:accent6>
-        <a:srgbClr val="EEFF41"/>
-      </a:accent6>
-      <a:hlink>
-        <a:srgbClr val="0097A7"/>
-      </a:hlink>
-      <a:folHlink>
-        <a:srgbClr val="0097A7"/>
-      </a:folHlink>
-    </a:clrScheme>
-    <a:fontScheme name="Office">
-      <a:majorFont>
-        <a:latin typeface="Arial"/>
-        <a:ea typeface=""/>
-        <a:cs typeface=""/>
-        <a:font script="Jpan" typeface="ＭＳ Ｐゴシック"/>
-        <a:font script="Hang" typeface="맑은 고딕"/>
-        <a:font script="Hans" typeface="宋体"/>
-        <a:font script="Hant" typeface="新細明體"/>
-        <a:font script="Arab" typeface="Times New Roman"/>
-        <a:font script="Hebr" typeface="Times New Roman"/>
-        <a:font script="Thai" typeface="Angsana New"/>
-        <a:font script="Ethi" typeface="Nyala"/>
-        <a:font script="Beng" typeface="Vrinda"/>
-        <a:font script="Gujr" typeface="Shruti"/>
-        <a:font script="Khmr" typeface="MoolBoran"/>
-        <a:font script="Knda" typeface="Tunga"/>
-        <a:font script="Guru" typeface="Raavi"/>
-        <a:font script="Cans" typeface="Euphemia"/>
-        <a:font script="Cher" typeface="Plantagenet Cherokee"/>
-        <a:font script="Yiii" typeface="Microsoft Yi Baiti"/>
-        <a:font script="Tibt" typeface="Microsoft Himalaya"/>
-        <a:font script="Thaa" typeface="MV Boli"/>
-        <a:font script="Deva" typeface="Mangal"/>
-        <a:font script="Telu" typeface="Gautami"/>
-        <a:font script="Taml" typeface="Latha"/>
-        <a:font script="Syrc" typeface="Estrangelo Edessa"/>
-        <a:font script="Orya" typeface="Kalinga"/>
-        <a:font script="Mlym" typeface="Kartika"/>
-        <a:font script="Laoo" typeface="DokChampa"/>
-        <a:font script="Sinh" typeface="Iskoola Pota"/>
-        <a:font script="Mong" typeface="Mongolian Baiti"/>
-        <a:font script="Viet" typeface="Times New Roman"/>
-        <a:font script="Uigh" typeface="Microsoft Uighur"/>
-        <a:font script="Geor" typeface="Sylfaen"/>
-      </a:majorFont>
-      <a:minorFont>
-        <a:latin typeface="Arial"/>
-        <a:ea typeface=""/>
-        <a:cs typeface=""/>
-        <a:font script="Jpan" typeface="ＭＳ Ｐゴシック"/>
-        <a:font script="Hang" typeface="맑은 고딕"/>
-        <a:font script="Hans" typeface="宋体"/>
-        <a:font script="Hant" typeface="新細明體"/>
-        <a:font script="Arab" typeface="Arial"/>
-        <a:font script="Hebr" typeface="Arial"/>
-        <a:font script="Thai" typeface="Cordia New"/>
-        <a:font script="Ethi" typeface="Nyala"/>
-        <a:font script="Beng" typeface="Vrinda"/>
-        <a:font script="Gujr" typeface="Shruti"/>
-        <a:font script="Khmr" typeface="DaunPenh"/>
-        <a:font script="Knda" typeface="Tunga"/>
-        <a:font script="Guru" typeface="Raavi"/>
-        <a:font script="Cans" typeface="Euphemia"/>
-        <a:font script="Cher" typeface="Plantagenet Cherokee"/>
-        <a:font script="Yiii" typeface="Microsoft Yi Baiti"/>
-        <a:font script="Tibt" typeface="Microsoft Himalaya"/>
-        <a:font script="Thaa" typeface="MV Boli"/>
-        <a:font script="Deva" typeface="Mangal"/>
-        <a:font script="Telu" typeface="Gautami"/>
-        <a:font script="Taml" typeface="Latha"/>
-        <a:font script="Syrc" typeface="Estrangelo Edessa"/>
-        <a:font script="Orya" typeface="Kalinga"/>
-        <a:font script="Mlym" typeface="Kartika"/>
-        <a:font script="Laoo" typeface="DokChampa"/>
-        <a:font script="Sinh" typeface="Iskoola Pota"/>
-        <a:font script="Mong" typeface="Mongolian Baiti"/>
-        <a:font script="Viet" typeface="Arial"/>
-        <a:font script="Uigh" typeface="Microsoft Uighur"/>
-        <a:font script="Geor" typeface="Sylfaen"/>
-      </a:minorFont>
-    </a:fontScheme>
-    <a:fmtScheme name="Office">
-      <a:fillStyleLst>
-        <a:solidFill>
-          <a:schemeClr val="phClr"/>
-        </a:solidFill>
-        <a:gradFill rotWithShape="1">
-          <a:gsLst>
-            <a:gs pos="0">
-              <a:schemeClr val="phClr">
-                <a:tint val="50000"/>
-                <a:satMod val="300000"/>
-              </a:schemeClr>
-            </a:gs>
-            <a:gs pos="35000">
-              <a:schemeClr val="phClr">
-                <a:tint val="37000"/>
-                <a:satMod val="300000"/>
-              </a:schemeClr>
-            </a:gs>
-            <a:gs pos="100000">
-              <a:schemeClr val="phClr">
-                <a:tint val="15000"/>
-                <a:satMod val="350000"/>
-              </a:schemeClr>
-            </a:gs>
-          </a:gsLst>
-          <a:lin ang="16200000" scaled="1"/>
-        </a:gradFill>
-        <a:gradFill rotWithShape="1">
-          <a:gsLst>
-            <a:gs pos="0">
-              <a:schemeClr val="phClr">
-                <a:tint val="100000"/>
-                <a:shade val="100000"/>
-                <a:satMod val="130000"/>
-              </a:schemeClr>
-            </a:gs>
-            <a:gs pos="100000">
-              <a:schemeClr val="phClr">
-                <a:tint val="50000"/>
-                <a:shade val="100000"/>
-                <a:satMod val="350000"/>
-              </a:schemeClr>
-            </a:gs>
-          </a:gsLst>
-          <a:lin ang="16200000" scaled="0"/>
-        </a:gradFill>
-      </a:fillStyleLst>
-      <a:lnStyleLst>
-        <a:ln w="9525" cap="flat" cmpd="sng" algn="ctr">
-          <a:solidFill>
-            <a:schemeClr val="phClr">
-              <a:shade val="95000"/>
-              <a:satMod val="105000"/>
-            </a:schemeClr>
-          </a:solidFill>
-          <a:prstDash val="solid"/>
-        </a:ln>
-        <a:ln w="25400" cap="flat" cmpd="sng" algn="ctr">
-          <a:solidFill>
-            <a:schemeClr val="phClr"/>
-          </a:solidFill>
-          <a:prstDash val="solid"/>
-        </a:ln>
-        <a:ln w="38100" cap="flat" cmpd="sng" algn="ctr">
-          <a:solidFill>
-            <a:schemeClr val="phClr"/>
-          </a:solidFill>
-          <a:prstDash val="solid"/>
-        </a:ln>
-      </a:lnStyleLst>
-      <a:effectStyleLst>
-        <a:effectStyle>
-          <a:effectLst>
-            <a:outerShdw blurRad="40000" dist="20000" dir="5400000" rotWithShape="0">
-              <a:srgbClr val="000000">
-                <a:alpha val="38000"/>
-              </a:srgbClr>
-            </a:outerShdw>
-          </a:effectLst>
-        </a:effectStyle>
-        <a:effectStyle>
-          <a:effectLst>
-            <a:outerShdw blurRad="40000" dist="23000" dir="5400000" rotWithShape="0">
-              <a:srgbClr val="000000">
-                <a:alpha val="35000"/>
-              </a:srgbClr>
-            </a:outerShdw>
-          </a:effectLst>
-        </a:effectStyle>
-        <a:effectStyle>
-          <a:effectLst>
-            <a:outerShdw blurRad="40000" dist="23000" dir="5400000" rotWithShape="0">
-              <a:srgbClr val="000000">
-                <a:alpha val="35000"/>
-              </a:srgbClr>
-            </a:outerShdw>
-          </a:effectLst>
-          <a:scene3d>
-            <a:camera prst="orthographicFront">
-              <a:rot lat="0" lon="0" rev="0"/>
-            </a:camera>
-            <a:lightRig rig="threePt" dir="t">
-              <a:rot lat="0" lon="0" rev="1200000"/>
-            </a:lightRig>
-          </a:scene3d>
-          <a:sp3d>
-            <a:bevelT w="63500" h="25400"/>
-          </a:sp3d>
-        </a:effectStyle>
-      </a:effectStyleLst>
-      <a:bgFillStyleLst>
-        <a:solidFill>
-          <a:schemeClr val="phClr"/>
-        </a:solidFill>
-        <a:gradFill rotWithShape="1">
-          <a:gsLst>
-            <a:gs pos="0">
-              <a:schemeClr val="phClr">
-                <a:tint val="40000"/>
-                <a:satMod val="350000"/>
-              </a:schemeClr>
-            </a:gs>
-            <a:gs pos="40000">
-              <a:schemeClr val="phClr">
-                <a:tint val="45000"/>
-                <a:shade val="99000"/>
-                <a:satMod val="350000"/>
-              </a:schemeClr>
-            </a:gs>
-            <a:gs pos="100000">
-              <a:schemeClr val="phClr">
-                <a:shade val="20000"/>
-                <a:satMod val="255000"/>
-              </a:schemeClr>
-            </a:gs>
-          </a:gsLst>
-          <a:path path="circle">
-            <a:fillToRect l="50000" t="-80000" r="50000" b="180000"/>
-          </a:path>
-        </a:gradFill>
-        <a:gradFill rotWithShape="1">
-          <a:gsLst>
-            <a:gs pos="0">
-              <a:schemeClr val="phClr">
-                <a:tint val="80000"/>
-                <a:satMod val="300000"/>
-              </a:schemeClr>
-            </a:gs>
-            <a:gs pos="100000">
-              <a:schemeClr val="phClr">
-                <a:shade val="30000"/>
-                <a:satMod val="200000"/>
-              </a:schemeClr>
-            </a:gs>
-          </a:gsLst>
-          <a:path path="circle">
-            <a:fillToRect l="50000" t="50000" r="50000" b="50000"/>
-          </a:path>
-        </a:gradFill>
-      </a:bgFillStyleLst>
-    </a:fmtScheme>
-  </a:themeElements>
-</a:theme>
 </file>